--- a/nservicebus/sagas/reply-replaytooriginator-differences-assets.pptx
+++ b/nservicebus/sagas/reply-replaytooriginator-differences-assets.pptx
@@ -154,7 +154,7 @@
           </a:lstStyle>
           <a:p>
             <a:r>
-              <a:rPr lang="en-US" smtClean="0"/>
+              <a:rPr lang="en-US"/>
               <a:t>Click to edit Master title style</a:t>
             </a:r>
             <a:endParaRPr lang="it-IT"/>
@@ -219,7 +219,7 @@
           </a:lstStyle>
           <a:p>
             <a:r>
-              <a:rPr lang="en-US" smtClean="0"/>
+              <a:rPr lang="en-US"/>
               <a:t>Click to edit Master subtitle style</a:t>
             </a:r>
             <a:endParaRPr lang="it-IT"/>
@@ -243,7 +243,7 @@
           <a:p>
             <a:fld id="{9934895A-A1F1-4E43-995C-836991ADE3CE}" type="datetimeFigureOut">
               <a:rPr lang="it-IT" smtClean="0"/>
-              <a:t>05/06/2015</a:t>
+              <a:t>23/08/2016</a:t>
             </a:fld>
             <a:endParaRPr lang="it-IT" dirty="0"/>
           </a:p>
@@ -337,7 +337,7 @@
           <a:lstStyle/>
           <a:p>
             <a:r>
-              <a:rPr lang="en-US" smtClean="0"/>
+              <a:rPr lang="en-US"/>
               <a:t>Click to edit Master title style</a:t>
             </a:r>
             <a:endParaRPr lang="it-IT"/>
@@ -361,35 +361,35 @@
           <a:p>
             <a:pPr lvl="0"/>
             <a:r>
-              <a:rPr lang="en-US" smtClean="0"/>
+              <a:rPr lang="en-US"/>
               <a:t>Click to edit Master text styles</a:t>
             </a:r>
           </a:p>
           <a:p>
             <a:pPr lvl="1"/>
             <a:r>
-              <a:rPr lang="en-US" smtClean="0"/>
+              <a:rPr lang="en-US"/>
               <a:t>Second level</a:t>
             </a:r>
           </a:p>
           <a:p>
             <a:pPr lvl="2"/>
             <a:r>
-              <a:rPr lang="en-US" smtClean="0"/>
+              <a:rPr lang="en-US"/>
               <a:t>Third level</a:t>
             </a:r>
           </a:p>
           <a:p>
             <a:pPr lvl="3"/>
             <a:r>
-              <a:rPr lang="en-US" smtClean="0"/>
+              <a:rPr lang="en-US"/>
               <a:t>Fourth level</a:t>
             </a:r>
           </a:p>
           <a:p>
             <a:pPr lvl="4"/>
             <a:r>
-              <a:rPr lang="en-US" smtClean="0"/>
+              <a:rPr lang="en-US"/>
               <a:t>Fifth level</a:t>
             </a:r>
             <a:endParaRPr lang="it-IT"/>
@@ -413,7 +413,7 @@
           <a:p>
             <a:fld id="{9934895A-A1F1-4E43-995C-836991ADE3CE}" type="datetimeFigureOut">
               <a:rPr lang="it-IT" smtClean="0"/>
-              <a:t>05/06/2015</a:t>
+              <a:t>23/08/2016</a:t>
             </a:fld>
             <a:endParaRPr lang="it-IT" dirty="0"/>
           </a:p>
@@ -512,7 +512,7 @@
           <a:lstStyle/>
           <a:p>
             <a:r>
-              <a:rPr lang="en-US" smtClean="0"/>
+              <a:rPr lang="en-US"/>
               <a:t>Click to edit Master title style</a:t>
             </a:r>
             <a:endParaRPr lang="it-IT"/>
@@ -541,35 +541,35 @@
           <a:p>
             <a:pPr lvl="0"/>
             <a:r>
-              <a:rPr lang="en-US" smtClean="0"/>
+              <a:rPr lang="en-US"/>
               <a:t>Click to edit Master text styles</a:t>
             </a:r>
           </a:p>
           <a:p>
             <a:pPr lvl="1"/>
             <a:r>
-              <a:rPr lang="en-US" smtClean="0"/>
+              <a:rPr lang="en-US"/>
               <a:t>Second level</a:t>
             </a:r>
           </a:p>
           <a:p>
             <a:pPr lvl="2"/>
             <a:r>
-              <a:rPr lang="en-US" smtClean="0"/>
+              <a:rPr lang="en-US"/>
               <a:t>Third level</a:t>
             </a:r>
           </a:p>
           <a:p>
             <a:pPr lvl="3"/>
             <a:r>
-              <a:rPr lang="en-US" smtClean="0"/>
+              <a:rPr lang="en-US"/>
               <a:t>Fourth level</a:t>
             </a:r>
           </a:p>
           <a:p>
             <a:pPr lvl="4"/>
             <a:r>
-              <a:rPr lang="en-US" smtClean="0"/>
+              <a:rPr lang="en-US"/>
               <a:t>Fifth level</a:t>
             </a:r>
             <a:endParaRPr lang="it-IT"/>
@@ -593,7 +593,7 @@
           <a:p>
             <a:fld id="{9934895A-A1F1-4E43-995C-836991ADE3CE}" type="datetimeFigureOut">
               <a:rPr lang="it-IT" smtClean="0"/>
-              <a:t>05/06/2015</a:t>
+              <a:t>23/08/2016</a:t>
             </a:fld>
             <a:endParaRPr lang="it-IT" dirty="0"/>
           </a:p>
@@ -687,7 +687,7 @@
           <a:lstStyle/>
           <a:p>
             <a:r>
-              <a:rPr lang="en-US" smtClean="0"/>
+              <a:rPr lang="en-US"/>
               <a:t>Click to edit Master title style</a:t>
             </a:r>
             <a:endParaRPr lang="it-IT"/>
@@ -711,35 +711,35 @@
           <a:p>
             <a:pPr lvl="0"/>
             <a:r>
-              <a:rPr lang="en-US" smtClean="0"/>
+              <a:rPr lang="en-US"/>
               <a:t>Click to edit Master text styles</a:t>
             </a:r>
           </a:p>
           <a:p>
             <a:pPr lvl="1"/>
             <a:r>
-              <a:rPr lang="en-US" smtClean="0"/>
+              <a:rPr lang="en-US"/>
               <a:t>Second level</a:t>
             </a:r>
           </a:p>
           <a:p>
             <a:pPr lvl="2"/>
             <a:r>
-              <a:rPr lang="en-US" smtClean="0"/>
+              <a:rPr lang="en-US"/>
               <a:t>Third level</a:t>
             </a:r>
           </a:p>
           <a:p>
             <a:pPr lvl="3"/>
             <a:r>
-              <a:rPr lang="en-US" smtClean="0"/>
+              <a:rPr lang="en-US"/>
               <a:t>Fourth level</a:t>
             </a:r>
           </a:p>
           <a:p>
             <a:pPr lvl="4"/>
             <a:r>
-              <a:rPr lang="en-US" smtClean="0"/>
+              <a:rPr lang="en-US"/>
               <a:t>Fifth level</a:t>
             </a:r>
             <a:endParaRPr lang="it-IT"/>
@@ -763,7 +763,7 @@
           <a:p>
             <a:fld id="{9934895A-A1F1-4E43-995C-836991ADE3CE}" type="datetimeFigureOut">
               <a:rPr lang="it-IT" smtClean="0"/>
-              <a:t>05/06/2015</a:t>
+              <a:t>23/08/2016</a:t>
             </a:fld>
             <a:endParaRPr lang="it-IT" dirty="0"/>
           </a:p>
@@ -866,7 +866,7 @@
           </a:lstStyle>
           <a:p>
             <a:r>
-              <a:rPr lang="en-US" smtClean="0"/>
+              <a:rPr lang="en-US"/>
               <a:t>Click to edit Master title style</a:t>
             </a:r>
             <a:endParaRPr lang="it-IT"/>
@@ -986,7 +986,7 @@
           <a:p>
             <a:pPr lvl="0"/>
             <a:r>
-              <a:rPr lang="en-US" smtClean="0"/>
+              <a:rPr lang="en-US"/>
               <a:t>Click to edit Master text styles</a:t>
             </a:r>
           </a:p>
@@ -1009,7 +1009,7 @@
           <a:p>
             <a:fld id="{9934895A-A1F1-4E43-995C-836991ADE3CE}" type="datetimeFigureOut">
               <a:rPr lang="it-IT" smtClean="0"/>
-              <a:t>05/06/2015</a:t>
+              <a:t>23/08/2016</a:t>
             </a:fld>
             <a:endParaRPr lang="it-IT" dirty="0"/>
           </a:p>
@@ -1103,7 +1103,7 @@
           <a:lstStyle/>
           <a:p>
             <a:r>
-              <a:rPr lang="en-US" smtClean="0"/>
+              <a:rPr lang="en-US"/>
               <a:t>Click to edit Master title style</a:t>
             </a:r>
             <a:endParaRPr lang="it-IT"/>
@@ -1132,35 +1132,35 @@
           <a:p>
             <a:pPr lvl="0"/>
             <a:r>
-              <a:rPr lang="en-US" smtClean="0"/>
+              <a:rPr lang="en-US"/>
               <a:t>Click to edit Master text styles</a:t>
             </a:r>
           </a:p>
           <a:p>
             <a:pPr lvl="1"/>
             <a:r>
-              <a:rPr lang="en-US" smtClean="0"/>
+              <a:rPr lang="en-US"/>
               <a:t>Second level</a:t>
             </a:r>
           </a:p>
           <a:p>
             <a:pPr lvl="2"/>
             <a:r>
-              <a:rPr lang="en-US" smtClean="0"/>
+              <a:rPr lang="en-US"/>
               <a:t>Third level</a:t>
             </a:r>
           </a:p>
           <a:p>
             <a:pPr lvl="3"/>
             <a:r>
-              <a:rPr lang="en-US" smtClean="0"/>
+              <a:rPr lang="en-US"/>
               <a:t>Fourth level</a:t>
             </a:r>
           </a:p>
           <a:p>
             <a:pPr lvl="4"/>
             <a:r>
-              <a:rPr lang="en-US" smtClean="0"/>
+              <a:rPr lang="en-US"/>
               <a:t>Fifth level</a:t>
             </a:r>
             <a:endParaRPr lang="it-IT"/>
@@ -1189,35 +1189,35 @@
           <a:p>
             <a:pPr lvl="0"/>
             <a:r>
-              <a:rPr lang="en-US" smtClean="0"/>
+              <a:rPr lang="en-US"/>
               <a:t>Click to edit Master text styles</a:t>
             </a:r>
           </a:p>
           <a:p>
             <a:pPr lvl="1"/>
             <a:r>
-              <a:rPr lang="en-US" smtClean="0"/>
+              <a:rPr lang="en-US"/>
               <a:t>Second level</a:t>
             </a:r>
           </a:p>
           <a:p>
             <a:pPr lvl="2"/>
             <a:r>
-              <a:rPr lang="en-US" smtClean="0"/>
+              <a:rPr lang="en-US"/>
               <a:t>Third level</a:t>
             </a:r>
           </a:p>
           <a:p>
             <a:pPr lvl="3"/>
             <a:r>
-              <a:rPr lang="en-US" smtClean="0"/>
+              <a:rPr lang="en-US"/>
               <a:t>Fourth level</a:t>
             </a:r>
           </a:p>
           <a:p>
             <a:pPr lvl="4"/>
             <a:r>
-              <a:rPr lang="en-US" smtClean="0"/>
+              <a:rPr lang="en-US"/>
               <a:t>Fifth level</a:t>
             </a:r>
             <a:endParaRPr lang="it-IT"/>
@@ -1241,7 +1241,7 @@
           <a:p>
             <a:fld id="{9934895A-A1F1-4E43-995C-836991ADE3CE}" type="datetimeFigureOut">
               <a:rPr lang="it-IT" smtClean="0"/>
-              <a:t>05/06/2015</a:t>
+              <a:t>23/08/2016</a:t>
             </a:fld>
             <a:endParaRPr lang="it-IT" dirty="0"/>
           </a:p>
@@ -1340,7 +1340,7 @@
           <a:lstStyle/>
           <a:p>
             <a:r>
-              <a:rPr lang="en-US" smtClean="0"/>
+              <a:rPr lang="en-US"/>
               <a:t>Click to edit Master title style</a:t>
             </a:r>
             <a:endParaRPr lang="it-IT"/>
@@ -1406,7 +1406,7 @@
           <a:p>
             <a:pPr lvl="0"/>
             <a:r>
-              <a:rPr lang="en-US" smtClean="0"/>
+              <a:rPr lang="en-US"/>
               <a:t>Click to edit Master text styles</a:t>
             </a:r>
           </a:p>
@@ -1434,35 +1434,35 @@
           <a:p>
             <a:pPr lvl="0"/>
             <a:r>
-              <a:rPr lang="en-US" smtClean="0"/>
+              <a:rPr lang="en-US"/>
               <a:t>Click to edit Master text styles</a:t>
             </a:r>
           </a:p>
           <a:p>
             <a:pPr lvl="1"/>
             <a:r>
-              <a:rPr lang="en-US" smtClean="0"/>
+              <a:rPr lang="en-US"/>
               <a:t>Second level</a:t>
             </a:r>
           </a:p>
           <a:p>
             <a:pPr lvl="2"/>
             <a:r>
-              <a:rPr lang="en-US" smtClean="0"/>
+              <a:rPr lang="en-US"/>
               <a:t>Third level</a:t>
             </a:r>
           </a:p>
           <a:p>
             <a:pPr lvl="3"/>
             <a:r>
-              <a:rPr lang="en-US" smtClean="0"/>
+              <a:rPr lang="en-US"/>
               <a:t>Fourth level</a:t>
             </a:r>
           </a:p>
           <a:p>
             <a:pPr lvl="4"/>
             <a:r>
-              <a:rPr lang="en-US" smtClean="0"/>
+              <a:rPr lang="en-US"/>
               <a:t>Fifth level</a:t>
             </a:r>
             <a:endParaRPr lang="it-IT"/>
@@ -1528,7 +1528,7 @@
           <a:p>
             <a:pPr lvl="0"/>
             <a:r>
-              <a:rPr lang="en-US" smtClean="0"/>
+              <a:rPr lang="en-US"/>
               <a:t>Click to edit Master text styles</a:t>
             </a:r>
           </a:p>
@@ -1556,35 +1556,35 @@
           <a:p>
             <a:pPr lvl="0"/>
             <a:r>
-              <a:rPr lang="en-US" smtClean="0"/>
+              <a:rPr lang="en-US"/>
               <a:t>Click to edit Master text styles</a:t>
             </a:r>
           </a:p>
           <a:p>
             <a:pPr lvl="1"/>
             <a:r>
-              <a:rPr lang="en-US" smtClean="0"/>
+              <a:rPr lang="en-US"/>
               <a:t>Second level</a:t>
             </a:r>
           </a:p>
           <a:p>
             <a:pPr lvl="2"/>
             <a:r>
-              <a:rPr lang="en-US" smtClean="0"/>
+              <a:rPr lang="en-US"/>
               <a:t>Third level</a:t>
             </a:r>
           </a:p>
           <a:p>
             <a:pPr lvl="3"/>
             <a:r>
-              <a:rPr lang="en-US" smtClean="0"/>
+              <a:rPr lang="en-US"/>
               <a:t>Fourth level</a:t>
             </a:r>
           </a:p>
           <a:p>
             <a:pPr lvl="4"/>
             <a:r>
-              <a:rPr lang="en-US" smtClean="0"/>
+              <a:rPr lang="en-US"/>
               <a:t>Fifth level</a:t>
             </a:r>
             <a:endParaRPr lang="it-IT"/>
@@ -1608,7 +1608,7 @@
           <a:p>
             <a:fld id="{9934895A-A1F1-4E43-995C-836991ADE3CE}" type="datetimeFigureOut">
               <a:rPr lang="it-IT" smtClean="0"/>
-              <a:t>05/06/2015</a:t>
+              <a:t>23/08/2016</a:t>
             </a:fld>
             <a:endParaRPr lang="it-IT" dirty="0"/>
           </a:p>
@@ -1702,7 +1702,7 @@
           <a:lstStyle/>
           <a:p>
             <a:r>
-              <a:rPr lang="en-US" smtClean="0"/>
+              <a:rPr lang="en-US"/>
               <a:t>Click to edit Master title style</a:t>
             </a:r>
             <a:endParaRPr lang="it-IT"/>
@@ -1726,7 +1726,7 @@
           <a:p>
             <a:fld id="{9934895A-A1F1-4E43-995C-836991ADE3CE}" type="datetimeFigureOut">
               <a:rPr lang="it-IT" smtClean="0"/>
-              <a:t>05/06/2015</a:t>
+              <a:t>23/08/2016</a:t>
             </a:fld>
             <a:endParaRPr lang="it-IT" dirty="0"/>
           </a:p>
@@ -1821,7 +1821,7 @@
           <a:p>
             <a:fld id="{9934895A-A1F1-4E43-995C-836991ADE3CE}" type="datetimeFigureOut">
               <a:rPr lang="it-IT" smtClean="0"/>
-              <a:t>05/06/2015</a:t>
+              <a:t>23/08/2016</a:t>
             </a:fld>
             <a:endParaRPr lang="it-IT" dirty="0"/>
           </a:p>
@@ -1924,7 +1924,7 @@
           </a:lstStyle>
           <a:p>
             <a:r>
-              <a:rPr lang="en-US" smtClean="0"/>
+              <a:rPr lang="en-US"/>
               <a:t>Click to edit Master title style</a:t>
             </a:r>
             <a:endParaRPr lang="it-IT"/>
@@ -1981,35 +1981,35 @@
           <a:p>
             <a:pPr lvl="0"/>
             <a:r>
-              <a:rPr lang="en-US" smtClean="0"/>
+              <a:rPr lang="en-US"/>
               <a:t>Click to edit Master text styles</a:t>
             </a:r>
           </a:p>
           <a:p>
             <a:pPr lvl="1"/>
             <a:r>
-              <a:rPr lang="en-US" smtClean="0"/>
+              <a:rPr lang="en-US"/>
               <a:t>Second level</a:t>
             </a:r>
           </a:p>
           <a:p>
             <a:pPr lvl="2"/>
             <a:r>
-              <a:rPr lang="en-US" smtClean="0"/>
+              <a:rPr lang="en-US"/>
               <a:t>Third level</a:t>
             </a:r>
           </a:p>
           <a:p>
             <a:pPr lvl="3"/>
             <a:r>
-              <a:rPr lang="en-US" smtClean="0"/>
+              <a:rPr lang="en-US"/>
               <a:t>Fourth level</a:t>
             </a:r>
           </a:p>
           <a:p>
             <a:pPr lvl="4"/>
             <a:r>
-              <a:rPr lang="en-US" smtClean="0"/>
+              <a:rPr lang="en-US"/>
               <a:t>Fifth level</a:t>
             </a:r>
             <a:endParaRPr lang="it-IT"/>
@@ -2075,7 +2075,7 @@
           <a:p>
             <a:pPr lvl="0"/>
             <a:r>
-              <a:rPr lang="en-US" smtClean="0"/>
+              <a:rPr lang="en-US"/>
               <a:t>Click to edit Master text styles</a:t>
             </a:r>
           </a:p>
@@ -2098,7 +2098,7 @@
           <a:p>
             <a:fld id="{9934895A-A1F1-4E43-995C-836991ADE3CE}" type="datetimeFigureOut">
               <a:rPr lang="it-IT" smtClean="0"/>
-              <a:t>05/06/2015</a:t>
+              <a:t>23/08/2016</a:t>
             </a:fld>
             <a:endParaRPr lang="it-IT" dirty="0"/>
           </a:p>
@@ -2201,7 +2201,7 @@
           </a:lstStyle>
           <a:p>
             <a:r>
-              <a:rPr lang="en-US" smtClean="0"/>
+              <a:rPr lang="en-US"/>
               <a:t>Click to edit Master title style</a:t>
             </a:r>
             <a:endParaRPr lang="it-IT"/>
@@ -2328,7 +2328,7 @@
           <a:p>
             <a:pPr lvl="0"/>
             <a:r>
-              <a:rPr lang="en-US" smtClean="0"/>
+              <a:rPr lang="en-US"/>
               <a:t>Click to edit Master text styles</a:t>
             </a:r>
           </a:p>
@@ -2351,7 +2351,7 @@
           <a:p>
             <a:fld id="{9934895A-A1F1-4E43-995C-836991ADE3CE}" type="datetimeFigureOut">
               <a:rPr lang="it-IT" smtClean="0"/>
-              <a:t>05/06/2015</a:t>
+              <a:t>23/08/2016</a:t>
             </a:fld>
             <a:endParaRPr lang="it-IT" dirty="0"/>
           </a:p>
@@ -2460,7 +2460,7 @@
           <a:lstStyle/>
           <a:p>
             <a:r>
-              <a:rPr lang="en-US" smtClean="0"/>
+              <a:rPr lang="en-US"/>
               <a:t>Click to edit Master title style</a:t>
             </a:r>
             <a:endParaRPr lang="it-IT"/>
@@ -2494,35 +2494,35 @@
           <a:p>
             <a:pPr lvl="0"/>
             <a:r>
-              <a:rPr lang="en-US" smtClean="0"/>
+              <a:rPr lang="en-US"/>
               <a:t>Click to edit Master text styles</a:t>
             </a:r>
           </a:p>
           <a:p>
             <a:pPr lvl="1"/>
             <a:r>
-              <a:rPr lang="en-US" smtClean="0"/>
+              <a:rPr lang="en-US"/>
               <a:t>Second level</a:t>
             </a:r>
           </a:p>
           <a:p>
             <a:pPr lvl="2"/>
             <a:r>
-              <a:rPr lang="en-US" smtClean="0"/>
+              <a:rPr lang="en-US"/>
               <a:t>Third level</a:t>
             </a:r>
           </a:p>
           <a:p>
             <a:pPr lvl="3"/>
             <a:r>
-              <a:rPr lang="en-US" smtClean="0"/>
+              <a:rPr lang="en-US"/>
               <a:t>Fourth level</a:t>
             </a:r>
           </a:p>
           <a:p>
             <a:pPr lvl="4"/>
             <a:r>
-              <a:rPr lang="en-US" smtClean="0"/>
+              <a:rPr lang="en-US"/>
               <a:t>Fifth level</a:t>
             </a:r>
             <a:endParaRPr lang="it-IT"/>
@@ -2564,7 +2564,7 @@
           <a:p>
             <a:fld id="{9934895A-A1F1-4E43-995C-836991ADE3CE}" type="datetimeFigureOut">
               <a:rPr lang="it-IT" smtClean="0"/>
-              <a:t>05/06/2015</a:t>
+              <a:t>23/08/2016</a:t>
             </a:fld>
             <a:endParaRPr lang="it-IT" dirty="0"/>
           </a:p>
@@ -3004,7 +3004,7 @@
           <a:p>
             <a:pPr algn="ctr"/>
             <a:r>
-              <a:rPr lang="en-US" sz="1400" dirty="0" smtClean="0"/>
+              <a:rPr lang="en-US" sz="1400" dirty="0"/>
               <a:t>Order Manager</a:t>
             </a:r>
           </a:p>
@@ -3045,10 +3045,10 @@
           <a:p>
             <a:pPr algn="ctr"/>
             <a:r>
-              <a:rPr lang="en-US" sz="1400" dirty="0" smtClean="0"/>
+              <a:rPr lang="en-US" sz="1400" dirty="0"/>
               <a:t>Delivery Manager</a:t>
             </a:r>
-            <a:endParaRPr lang="it-IT" sz="1400" dirty="0" smtClean="0"/>
+            <a:endParaRPr lang="it-IT" sz="1400" dirty="0"/>
           </a:p>
         </p:txBody>
       </p:sp>
@@ -3087,7 +3087,7 @@
           <a:p>
             <a:pPr algn="ctr"/>
             <a:r>
-              <a:rPr lang="en-US" sz="1400" dirty="0" smtClean="0"/>
+              <a:rPr lang="en-US" sz="1400" dirty="0"/>
               <a:t>Shipment Gateway</a:t>
             </a:r>
             <a:endParaRPr lang="it-IT" sz="1400" dirty="0"/>
@@ -3133,7 +3133,7 @@
           <a:p>
             <a:pPr algn="ctr"/>
             <a:r>
-              <a:rPr lang="en-US" sz="1400" dirty="0" smtClean="0"/>
+              <a:rPr lang="en-US" sz="1400" dirty="0"/>
               <a:t>Order Saga</a:t>
             </a:r>
             <a:endParaRPr lang="it-IT" sz="1400" dirty="0"/>
@@ -3179,7 +3179,7 @@
           <a:p>
             <a:pPr algn="ctr"/>
             <a:r>
-              <a:rPr lang="en-US" sz="1400" dirty="0" smtClean="0"/>
+              <a:rPr lang="en-US" sz="1400" dirty="0"/>
               <a:t>Delivery Saga</a:t>
             </a:r>
             <a:endParaRPr lang="it-IT" sz="1400" dirty="0"/>
@@ -3225,7 +3225,7 @@
           <a:p>
             <a:pPr algn="ctr"/>
             <a:r>
-              <a:rPr lang="en-US" sz="1400" dirty="0" smtClean="0"/>
+              <a:rPr lang="en-US" sz="1400" dirty="0"/>
               <a:t>Express Courier Integration</a:t>
             </a:r>
             <a:endParaRPr lang="it-IT" sz="1400" dirty="0"/>
@@ -3442,7 +3442,15 @@
           <a:p>
             <a:r>
               <a:rPr lang="en-US" sz="1100" dirty="0"/>
-              <a:t>Bus.Publish&lt;OrderReady&gt;()</a:t>
+              <a:t>Publish&lt;</a:t>
+            </a:r>
+            <a:r>
+              <a:rPr lang="en-US" sz="1100" dirty="0" err="1"/>
+              <a:t>OrderReady</a:t>
+            </a:r>
+            <a:r>
+              <a:rPr lang="en-US" sz="1100" dirty="0"/>
+              <a:t>&gt;()</a:t>
             </a:r>
             <a:endParaRPr lang="it-IT" sz="1100" dirty="0"/>
           </a:p>
@@ -3479,14 +3487,14 @@
           <a:p>
             <a:pPr algn="ctr"/>
             <a:r>
-              <a:rPr lang="en-US" sz="1100" dirty="0" smtClean="0"/>
+              <a:rPr lang="en-US" sz="1100" dirty="0"/>
               <a:t>Handles OrderReady</a:t>
             </a:r>
           </a:p>
           <a:p>
             <a:pPr algn="ctr"/>
             <a:r>
-              <a:rPr lang="en-US" sz="1100" dirty="0" smtClean="0"/>
+              <a:rPr lang="en-US" sz="1100" dirty="0"/>
               <a:t>Starts DeliverySaga</a:t>
             </a:r>
             <a:endParaRPr lang="it-IT" sz="1100" dirty="0"/>
@@ -3523,8 +3531,16 @@
           </a:lstStyle>
           <a:p>
             <a:r>
-              <a:rPr lang="en-US" sz="1100" dirty="0" smtClean="0"/>
-              <a:t>Bus.Send&lt;ReserveOrderShipment&gt;()</a:t>
+              <a:rPr lang="en-US" sz="1100" dirty="0"/>
+              <a:t>Send&lt;</a:t>
+            </a:r>
+            <a:r>
+              <a:rPr lang="en-US" sz="1100" dirty="0" err="1"/>
+              <a:t>ReserveOrderShipment</a:t>
+            </a:r>
+            <a:r>
+              <a:rPr lang="en-US" sz="1100" dirty="0"/>
+              <a:t>&gt;()</a:t>
             </a:r>
             <a:endParaRPr lang="it-IT" sz="1100" dirty="0"/>
           </a:p>
@@ -3626,7 +3642,7 @@
           <a:lstStyle/>
           <a:p>
             <a:r>
-              <a:rPr lang="en-US" sz="1100" dirty="0" smtClean="0"/>
+              <a:rPr lang="en-US" sz="1100" dirty="0"/>
               <a:t>RequestTimeout&lt;ShipmentReservation&gt;()</a:t>
             </a:r>
             <a:endParaRPr lang="it-IT" sz="1100" dirty="0"/>
@@ -3744,12 +3760,8 @@
           <a:p>
             <a:pPr algn="ctr"/>
             <a:r>
-              <a:rPr lang="en-US" sz="1100" dirty="0" smtClean="0"/>
-              <a:t>ShipmentReservation timeout </a:t>
-            </a:r>
-            <a:r>
-              <a:rPr lang="en-US" sz="1100" dirty="0" smtClean="0"/>
-              <a:t>expired</a:t>
+              <a:rPr lang="en-US" sz="1100" dirty="0"/>
+              <a:t>ShipmentReservation timeout expired</a:t>
             </a:r>
             <a:endParaRPr lang="it-IT" sz="1100" dirty="0"/>
           </a:p>
@@ -3940,11 +3952,7 @@
           <a:p>
             <a:pPr algn="r"/>
             <a:r>
-              <a:rPr lang="en-US" sz="1100" dirty="0" smtClean="0"/>
-              <a:t>Bus.</a:t>
-            </a:r>
-            <a:r>
-              <a:rPr lang="en-US" sz="1100" b="1" dirty="0" smtClean="0">
+              <a:rPr lang="en-US" sz="1100" b="1" dirty="0">
                 <a:solidFill>
                   <a:srgbClr val="FF0000"/>
                 </a:solidFill>
@@ -3952,8 +3960,16 @@
               <a:t>Reply</a:t>
             </a:r>
             <a:r>
-              <a:rPr lang="en-US" sz="1100" dirty="0" smtClean="0"/>
-              <a:t>&lt;ShipmentReserved&gt;()</a:t>
+              <a:rPr lang="en-US" sz="1100" dirty="0"/>
+              <a:t>&lt;</a:t>
+            </a:r>
+            <a:r>
+              <a:rPr lang="en-US" sz="1100" dirty="0" err="1"/>
+              <a:t>ShipmentReserved</a:t>
+            </a:r>
+            <a:r>
+              <a:rPr lang="en-US" sz="1100" dirty="0"/>
+              <a:t>&gt;()</a:t>
             </a:r>
             <a:endParaRPr lang="it-IT" sz="1100" dirty="0"/>
           </a:p>
@@ -4064,7 +4080,7 @@
           <a:p>
             <a:pPr algn="r"/>
             <a:r>
-              <a:rPr lang="en-US" sz="1100" b="1" dirty="0" smtClean="0">
+              <a:rPr lang="en-US" sz="1100" b="1" dirty="0">
                 <a:solidFill>
                   <a:srgbClr val="FF0000"/>
                 </a:solidFill>
@@ -4072,7 +4088,7 @@
               <a:t>ReplyToOriginator</a:t>
             </a:r>
             <a:r>
-              <a:rPr lang="en-US" sz="1100" dirty="0" smtClean="0"/>
+              <a:rPr lang="en-US" sz="1100" dirty="0"/>
               <a:t>&lt;ShipmentStarted&gt;()</a:t>
             </a:r>
             <a:endParaRPr lang="it-IT" sz="1100" dirty="0"/>
@@ -4183,11 +4199,7 @@
           </a:lstStyle>
           <a:p>
             <a:r>
-              <a:rPr lang="en-US" sz="1100" dirty="0" smtClean="0"/>
-              <a:t>Bus.</a:t>
-            </a:r>
-            <a:r>
-              <a:rPr lang="en-US" sz="1100" b="1" dirty="0" smtClean="0">
+              <a:rPr lang="en-US" sz="1100" b="1">
                 <a:solidFill>
                   <a:srgbClr val="FF0000"/>
                 </a:solidFill>
@@ -4195,8 +4207,16 @@
               <a:t>Reply</a:t>
             </a:r>
             <a:r>
+              <a:rPr lang="en-US" sz="1100"/>
+              <a:t>&lt;</a:t>
+            </a:r>
+            <a:r>
+              <a:rPr lang="en-US" sz="1100" dirty="0" err="1"/>
+              <a:t>ShipOrder</a:t>
+            </a:r>
+            <a:r>
               <a:rPr lang="en-US" sz="1100" dirty="0"/>
-              <a:t>&lt;ShipOrder&gt;()</a:t>
+              <a:t>&gt;()</a:t>
             </a:r>
             <a:endParaRPr lang="it-IT" sz="1100" dirty="0"/>
           </a:p>

--- a/nservicebus/sagas/reply-replaytooriginator-differences-assets.pptx
+++ b/nservicebus/sagas/reply-replaytooriginator-differences-assets.pptx
@@ -2,18 +2,18 @@
 <file path=ppt/presentation.xml><?xml version="1.0" encoding="utf-8"?>
 <p:presentation xmlns:a="http://schemas.openxmlformats.org/drawingml/2006/main" xmlns:r="http://schemas.openxmlformats.org/officeDocument/2006/relationships" xmlns:p="http://schemas.openxmlformats.org/presentationml/2006/main" saveSubsetFonts="1">
   <p:sldMasterIdLst>
-    <p:sldMasterId id="2147483648" r:id="rId1"/>
+    <p:sldMasterId id="2147483708" r:id="rId1"/>
   </p:sldMasterIdLst>
   <p:sldIdLst>
     <p:sldId id="256" r:id="rId2"/>
   </p:sldIdLst>
-  <p:sldSz cx="12192000" cy="6858000"/>
+  <p:sldSz cx="7559675" cy="6119813"/>
   <p:notesSz cx="6858000" cy="9144000"/>
   <p:defaultTextStyle>
     <a:defPPr>
-      <a:defRPr lang="it-IT"/>
+      <a:defRPr lang="en-US"/>
     </a:defPPr>
-    <a:lvl1pPr marL="0" algn="l" defTabSz="914400" rtl="0" eaLnBrk="1" latinLnBrk="0" hangingPunct="1">
+    <a:lvl1pPr marL="0" algn="l" defTabSz="457200" rtl="0" eaLnBrk="1" latinLnBrk="0" hangingPunct="1">
       <a:defRPr sz="1800" kern="1200">
         <a:solidFill>
           <a:schemeClr val="tx1"/>
@@ -23,7 +23,7 @@
         <a:cs typeface="+mn-cs"/>
       </a:defRPr>
     </a:lvl1pPr>
-    <a:lvl2pPr marL="457200" algn="l" defTabSz="914400" rtl="0" eaLnBrk="1" latinLnBrk="0" hangingPunct="1">
+    <a:lvl2pPr marL="457200" algn="l" defTabSz="457200" rtl="0" eaLnBrk="1" latinLnBrk="0" hangingPunct="1">
       <a:defRPr sz="1800" kern="1200">
         <a:solidFill>
           <a:schemeClr val="tx1"/>
@@ -33,7 +33,7 @@
         <a:cs typeface="+mn-cs"/>
       </a:defRPr>
     </a:lvl2pPr>
-    <a:lvl3pPr marL="914400" algn="l" defTabSz="914400" rtl="0" eaLnBrk="1" latinLnBrk="0" hangingPunct="1">
+    <a:lvl3pPr marL="914400" algn="l" defTabSz="457200" rtl="0" eaLnBrk="1" latinLnBrk="0" hangingPunct="1">
       <a:defRPr sz="1800" kern="1200">
         <a:solidFill>
           <a:schemeClr val="tx1"/>
@@ -43,7 +43,7 @@
         <a:cs typeface="+mn-cs"/>
       </a:defRPr>
     </a:lvl3pPr>
-    <a:lvl4pPr marL="1371600" algn="l" defTabSz="914400" rtl="0" eaLnBrk="1" latinLnBrk="0" hangingPunct="1">
+    <a:lvl4pPr marL="1371600" algn="l" defTabSz="457200" rtl="0" eaLnBrk="1" latinLnBrk="0" hangingPunct="1">
       <a:defRPr sz="1800" kern="1200">
         <a:solidFill>
           <a:schemeClr val="tx1"/>
@@ -53,7 +53,7 @@
         <a:cs typeface="+mn-cs"/>
       </a:defRPr>
     </a:lvl4pPr>
-    <a:lvl5pPr marL="1828800" algn="l" defTabSz="914400" rtl="0" eaLnBrk="1" latinLnBrk="0" hangingPunct="1">
+    <a:lvl5pPr marL="1828800" algn="l" defTabSz="457200" rtl="0" eaLnBrk="1" latinLnBrk="0" hangingPunct="1">
       <a:defRPr sz="1800" kern="1200">
         <a:solidFill>
           <a:schemeClr val="tx1"/>
@@ -63,7 +63,7 @@
         <a:cs typeface="+mn-cs"/>
       </a:defRPr>
     </a:lvl5pPr>
-    <a:lvl6pPr marL="2286000" algn="l" defTabSz="914400" rtl="0" eaLnBrk="1" latinLnBrk="0" hangingPunct="1">
+    <a:lvl6pPr marL="2286000" algn="l" defTabSz="457200" rtl="0" eaLnBrk="1" latinLnBrk="0" hangingPunct="1">
       <a:defRPr sz="1800" kern="1200">
         <a:solidFill>
           <a:schemeClr val="tx1"/>
@@ -73,7 +73,7 @@
         <a:cs typeface="+mn-cs"/>
       </a:defRPr>
     </a:lvl6pPr>
-    <a:lvl7pPr marL="2743200" algn="l" defTabSz="914400" rtl="0" eaLnBrk="1" latinLnBrk="0" hangingPunct="1">
+    <a:lvl7pPr marL="2743200" algn="l" defTabSz="457200" rtl="0" eaLnBrk="1" latinLnBrk="0" hangingPunct="1">
       <a:defRPr sz="1800" kern="1200">
         <a:solidFill>
           <a:schemeClr val="tx1"/>
@@ -83,7 +83,7 @@
         <a:cs typeface="+mn-cs"/>
       </a:defRPr>
     </a:lvl7pPr>
-    <a:lvl8pPr marL="3200400" algn="l" defTabSz="914400" rtl="0" eaLnBrk="1" latinLnBrk="0" hangingPunct="1">
+    <a:lvl8pPr marL="3200400" algn="l" defTabSz="457200" rtl="0" eaLnBrk="1" latinLnBrk="0" hangingPunct="1">
       <a:defRPr sz="1800" kern="1200">
         <a:solidFill>
           <a:schemeClr val="tx1"/>
@@ -93,7 +93,7 @@
         <a:cs typeface="+mn-cs"/>
       </a:defRPr>
     </a:lvl8pPr>
-    <a:lvl9pPr marL="3657600" algn="l" defTabSz="914400" rtl="0" eaLnBrk="1" latinLnBrk="0" hangingPunct="1">
+    <a:lvl9pPr marL="3657600" algn="l" defTabSz="457200" rtl="0" eaLnBrk="1" latinLnBrk="0" hangingPunct="1">
       <a:defRPr sz="1800" kern="1200">
         <a:solidFill>
           <a:schemeClr val="tx1"/>
@@ -141,15 +141,15 @@
         </p:nvSpPr>
         <p:spPr>
           <a:xfrm>
-            <a:off x="1524000" y="1122363"/>
-            <a:ext cx="9144000" cy="2387600"/>
+            <a:off x="566976" y="1001553"/>
+            <a:ext cx="6425724" cy="2130602"/>
           </a:xfrm>
         </p:spPr>
         <p:txBody>
           <a:bodyPr anchor="b"/>
           <a:lstStyle>
             <a:lvl1pPr algn="ctr">
-              <a:defRPr sz="6000"/>
+              <a:defRPr sz="4960"/>
             </a:lvl1pPr>
           </a:lstStyle>
           <a:p>
@@ -157,7 +157,7 @@
               <a:rPr lang="en-US"/>
               <a:t>Click to edit Master title style</a:t>
             </a:r>
-            <a:endParaRPr lang="it-IT"/>
+            <a:endParaRPr lang="en-US" dirty="0"/>
           </a:p>
         </p:txBody>
       </p:sp>
@@ -173,8 +173,8 @@
         </p:nvSpPr>
         <p:spPr>
           <a:xfrm>
-            <a:off x="1524000" y="3602038"/>
-            <a:ext cx="9144000" cy="1655762"/>
+            <a:off x="944960" y="3214319"/>
+            <a:ext cx="5669756" cy="1477538"/>
           </a:xfrm>
         </p:spPr>
         <p:txBody>
@@ -182,39 +182,39 @@
           <a:lstStyle>
             <a:lvl1pPr marL="0" indent="0" algn="ctr">
               <a:buNone/>
-              <a:defRPr sz="2400"/>
+              <a:defRPr sz="1984"/>
             </a:lvl1pPr>
-            <a:lvl2pPr marL="457200" indent="0" algn="ctr">
-              <a:buNone/>
-              <a:defRPr sz="2000"/>
+            <a:lvl2pPr marL="377967" indent="0" algn="ctr">
+              <a:buNone/>
+              <a:defRPr sz="1653"/>
             </a:lvl2pPr>
-            <a:lvl3pPr marL="914400" indent="0" algn="ctr">
-              <a:buNone/>
-              <a:defRPr sz="1800"/>
+            <a:lvl3pPr marL="755934" indent="0" algn="ctr">
+              <a:buNone/>
+              <a:defRPr sz="1488"/>
             </a:lvl3pPr>
-            <a:lvl4pPr marL="1371600" indent="0" algn="ctr">
-              <a:buNone/>
-              <a:defRPr sz="1600"/>
+            <a:lvl4pPr marL="1133902" indent="0" algn="ctr">
+              <a:buNone/>
+              <a:defRPr sz="1323"/>
             </a:lvl4pPr>
-            <a:lvl5pPr marL="1828800" indent="0" algn="ctr">
-              <a:buNone/>
-              <a:defRPr sz="1600"/>
+            <a:lvl5pPr marL="1511869" indent="0" algn="ctr">
+              <a:buNone/>
+              <a:defRPr sz="1323"/>
             </a:lvl5pPr>
-            <a:lvl6pPr marL="2286000" indent="0" algn="ctr">
-              <a:buNone/>
-              <a:defRPr sz="1600"/>
+            <a:lvl6pPr marL="1889836" indent="0" algn="ctr">
+              <a:buNone/>
+              <a:defRPr sz="1323"/>
             </a:lvl6pPr>
-            <a:lvl7pPr marL="2743200" indent="0" algn="ctr">
-              <a:buNone/>
-              <a:defRPr sz="1600"/>
+            <a:lvl7pPr marL="2267803" indent="0" algn="ctr">
+              <a:buNone/>
+              <a:defRPr sz="1323"/>
             </a:lvl7pPr>
-            <a:lvl8pPr marL="3200400" indent="0" algn="ctr">
-              <a:buNone/>
-              <a:defRPr sz="1600"/>
+            <a:lvl8pPr marL="2645771" indent="0" algn="ctr">
+              <a:buNone/>
+              <a:defRPr sz="1323"/>
             </a:lvl8pPr>
-            <a:lvl9pPr marL="3657600" indent="0" algn="ctr">
-              <a:buNone/>
-              <a:defRPr sz="1600"/>
+            <a:lvl9pPr marL="3023738" indent="0" algn="ctr">
+              <a:buNone/>
+              <a:defRPr sz="1323"/>
             </a:lvl9pPr>
           </a:lstStyle>
           <a:p>
@@ -222,7 +222,7 @@
               <a:rPr lang="en-US"/>
               <a:t>Click to edit Master subtitle style</a:t>
             </a:r>
-            <a:endParaRPr lang="it-IT"/>
+            <a:endParaRPr lang="en-US" dirty="0"/>
           </a:p>
         </p:txBody>
       </p:sp>
@@ -294,7 +294,7 @@
     </p:spTree>
     <p:extLst>
       <p:ext uri="{BB962C8B-B14F-4D97-AF65-F5344CB8AC3E}">
-        <p14:creationId xmlns:p14="http://schemas.microsoft.com/office/powerpoint/2010/main" val="612170864"/>
+        <p14:creationId xmlns:p14="http://schemas.microsoft.com/office/powerpoint/2010/main" val="4103760775"/>
       </p:ext>
     </p:extLst>
   </p:cSld>
@@ -340,7 +340,7 @@
               <a:rPr lang="en-US"/>
               <a:t>Click to edit Master title style</a:t>
             </a:r>
-            <a:endParaRPr lang="it-IT"/>
+            <a:endParaRPr lang="en-US" dirty="0"/>
           </a:p>
         </p:txBody>
       </p:sp>
@@ -362,7 +362,7 @@
             <a:pPr lvl="0"/>
             <a:r>
               <a:rPr lang="en-US"/>
-              <a:t>Click to edit Master text styles</a:t>
+              <a:t>Edit Master text styles</a:t>
             </a:r>
           </a:p>
           <a:p>
@@ -392,7 +392,7 @@
               <a:rPr lang="en-US"/>
               <a:t>Fifth level</a:t>
             </a:r>
-            <a:endParaRPr lang="it-IT"/>
+            <a:endParaRPr lang="en-US" dirty="0"/>
           </a:p>
         </p:txBody>
       </p:sp>
@@ -464,7 +464,7 @@
     </p:spTree>
     <p:extLst>
       <p:ext uri="{BB962C8B-B14F-4D97-AF65-F5344CB8AC3E}">
-        <p14:creationId xmlns:p14="http://schemas.microsoft.com/office/powerpoint/2010/main" val="3863635686"/>
+        <p14:creationId xmlns:p14="http://schemas.microsoft.com/office/powerpoint/2010/main" val="3697481146"/>
       </p:ext>
     </p:extLst>
   </p:cSld>
@@ -503,8 +503,8 @@
         </p:nvSpPr>
         <p:spPr>
           <a:xfrm>
-            <a:off x="8724900" y="365125"/>
-            <a:ext cx="2628900" cy="5811838"/>
+            <a:off x="5409893" y="325823"/>
+            <a:ext cx="1630055" cy="5186259"/>
           </a:xfrm>
         </p:spPr>
         <p:txBody>
@@ -515,7 +515,7 @@
               <a:rPr lang="en-US"/>
               <a:t>Click to edit Master title style</a:t>
             </a:r>
-            <a:endParaRPr lang="it-IT"/>
+            <a:endParaRPr lang="en-US" dirty="0"/>
           </a:p>
         </p:txBody>
       </p:sp>
@@ -531,8 +531,8 @@
         </p:nvSpPr>
         <p:spPr>
           <a:xfrm>
-            <a:off x="838200" y="365125"/>
-            <a:ext cx="7734300" cy="5811838"/>
+            <a:off x="519728" y="325823"/>
+            <a:ext cx="4795669" cy="5186259"/>
           </a:xfrm>
         </p:spPr>
         <p:txBody>
@@ -542,7 +542,7 @@
             <a:pPr lvl="0"/>
             <a:r>
               <a:rPr lang="en-US"/>
-              <a:t>Click to edit Master text styles</a:t>
+              <a:t>Edit Master text styles</a:t>
             </a:r>
           </a:p>
           <a:p>
@@ -572,7 +572,7 @@
               <a:rPr lang="en-US"/>
               <a:t>Fifth level</a:t>
             </a:r>
-            <a:endParaRPr lang="it-IT"/>
+            <a:endParaRPr lang="en-US" dirty="0"/>
           </a:p>
         </p:txBody>
       </p:sp>
@@ -644,7 +644,7 @@
     </p:spTree>
     <p:extLst>
       <p:ext uri="{BB962C8B-B14F-4D97-AF65-F5344CB8AC3E}">
-        <p14:creationId xmlns:p14="http://schemas.microsoft.com/office/powerpoint/2010/main" val="2938488321"/>
+        <p14:creationId xmlns:p14="http://schemas.microsoft.com/office/powerpoint/2010/main" val="3680949038"/>
       </p:ext>
     </p:extLst>
   </p:cSld>
@@ -690,7 +690,7 @@
               <a:rPr lang="en-US"/>
               <a:t>Click to edit Master title style</a:t>
             </a:r>
-            <a:endParaRPr lang="it-IT"/>
+            <a:endParaRPr lang="en-US" dirty="0"/>
           </a:p>
         </p:txBody>
       </p:sp>
@@ -712,7 +712,7 @@
             <a:pPr lvl="0"/>
             <a:r>
               <a:rPr lang="en-US"/>
-              <a:t>Click to edit Master text styles</a:t>
+              <a:t>Edit Master text styles</a:t>
             </a:r>
           </a:p>
           <a:p>
@@ -742,7 +742,7 @@
               <a:rPr lang="en-US"/>
               <a:t>Fifth level</a:t>
             </a:r>
-            <a:endParaRPr lang="it-IT"/>
+            <a:endParaRPr lang="en-US" dirty="0"/>
           </a:p>
         </p:txBody>
       </p:sp>
@@ -814,7 +814,7 @@
     </p:spTree>
     <p:extLst>
       <p:ext uri="{BB962C8B-B14F-4D97-AF65-F5344CB8AC3E}">
-        <p14:creationId xmlns:p14="http://schemas.microsoft.com/office/powerpoint/2010/main" val="2970296778"/>
+        <p14:creationId xmlns:p14="http://schemas.microsoft.com/office/powerpoint/2010/main" val="2741052720"/>
       </p:ext>
     </p:extLst>
   </p:cSld>
@@ -853,15 +853,15 @@
         </p:nvSpPr>
         <p:spPr>
           <a:xfrm>
-            <a:off x="831850" y="1709738"/>
-            <a:ext cx="10515600" cy="2852737"/>
+            <a:off x="515791" y="1525705"/>
+            <a:ext cx="6520220" cy="2545672"/>
           </a:xfrm>
         </p:spPr>
         <p:txBody>
           <a:bodyPr anchor="b"/>
           <a:lstStyle>
             <a:lvl1pPr>
-              <a:defRPr sz="6000"/>
+              <a:defRPr sz="4960"/>
             </a:lvl1pPr>
           </a:lstStyle>
           <a:p>
@@ -869,7 +869,7 @@
               <a:rPr lang="en-US"/>
               <a:t>Click to edit Master title style</a:t>
             </a:r>
-            <a:endParaRPr lang="it-IT"/>
+            <a:endParaRPr lang="en-US" dirty="0"/>
           </a:p>
         </p:txBody>
       </p:sp>
@@ -885,8 +885,8 @@
         </p:nvSpPr>
         <p:spPr>
           <a:xfrm>
-            <a:off x="831850" y="4589463"/>
-            <a:ext cx="10515600" cy="1500187"/>
+            <a:off x="515791" y="4095460"/>
+            <a:ext cx="6520220" cy="1338709"/>
           </a:xfrm>
         </p:spPr>
         <p:txBody>
@@ -894,17 +894,15 @@
           <a:lstStyle>
             <a:lvl1pPr marL="0" indent="0">
               <a:buNone/>
-              <a:defRPr sz="2400">
+              <a:defRPr sz="1984">
                 <a:solidFill>
-                  <a:schemeClr val="tx1">
-                    <a:tint val="75000"/>
-                  </a:schemeClr>
+                  <a:schemeClr val="tx1"/>
                 </a:solidFill>
               </a:defRPr>
             </a:lvl1pPr>
-            <a:lvl2pPr marL="457200" indent="0">
-              <a:buNone/>
-              <a:defRPr sz="2000">
+            <a:lvl2pPr marL="377967" indent="0">
+              <a:buNone/>
+              <a:defRPr sz="1653">
                 <a:solidFill>
                   <a:schemeClr val="tx1">
                     <a:tint val="75000"/>
@@ -912,9 +910,9 @@
                 </a:solidFill>
               </a:defRPr>
             </a:lvl2pPr>
-            <a:lvl3pPr marL="914400" indent="0">
-              <a:buNone/>
-              <a:defRPr sz="1800">
+            <a:lvl3pPr marL="755934" indent="0">
+              <a:buNone/>
+              <a:defRPr sz="1488">
                 <a:solidFill>
                   <a:schemeClr val="tx1">
                     <a:tint val="75000"/>
@@ -922,9 +920,9 @@
                 </a:solidFill>
               </a:defRPr>
             </a:lvl3pPr>
-            <a:lvl4pPr marL="1371600" indent="0">
-              <a:buNone/>
-              <a:defRPr sz="1600">
+            <a:lvl4pPr marL="1133902" indent="0">
+              <a:buNone/>
+              <a:defRPr sz="1323">
                 <a:solidFill>
                   <a:schemeClr val="tx1">
                     <a:tint val="75000"/>
@@ -932,9 +930,9 @@
                 </a:solidFill>
               </a:defRPr>
             </a:lvl4pPr>
-            <a:lvl5pPr marL="1828800" indent="0">
-              <a:buNone/>
-              <a:defRPr sz="1600">
+            <a:lvl5pPr marL="1511869" indent="0">
+              <a:buNone/>
+              <a:defRPr sz="1323">
                 <a:solidFill>
                   <a:schemeClr val="tx1">
                     <a:tint val="75000"/>
@@ -942,9 +940,9 @@
                 </a:solidFill>
               </a:defRPr>
             </a:lvl5pPr>
-            <a:lvl6pPr marL="2286000" indent="0">
-              <a:buNone/>
-              <a:defRPr sz="1600">
+            <a:lvl6pPr marL="1889836" indent="0">
+              <a:buNone/>
+              <a:defRPr sz="1323">
                 <a:solidFill>
                   <a:schemeClr val="tx1">
                     <a:tint val="75000"/>
@@ -952,9 +950,9 @@
                 </a:solidFill>
               </a:defRPr>
             </a:lvl6pPr>
-            <a:lvl7pPr marL="2743200" indent="0">
-              <a:buNone/>
-              <a:defRPr sz="1600">
+            <a:lvl7pPr marL="2267803" indent="0">
+              <a:buNone/>
+              <a:defRPr sz="1323">
                 <a:solidFill>
                   <a:schemeClr val="tx1">
                     <a:tint val="75000"/>
@@ -962,9 +960,9 @@
                 </a:solidFill>
               </a:defRPr>
             </a:lvl7pPr>
-            <a:lvl8pPr marL="3200400" indent="0">
-              <a:buNone/>
-              <a:defRPr sz="1600">
+            <a:lvl8pPr marL="2645771" indent="0">
+              <a:buNone/>
+              <a:defRPr sz="1323">
                 <a:solidFill>
                   <a:schemeClr val="tx1">
                     <a:tint val="75000"/>
@@ -972,9 +970,9 @@
                 </a:solidFill>
               </a:defRPr>
             </a:lvl8pPr>
-            <a:lvl9pPr marL="3657600" indent="0">
-              <a:buNone/>
-              <a:defRPr sz="1600">
+            <a:lvl9pPr marL="3023738" indent="0">
+              <a:buNone/>
+              <a:defRPr sz="1323">
                 <a:solidFill>
                   <a:schemeClr val="tx1">
                     <a:tint val="75000"/>
@@ -987,7 +985,7 @@
             <a:pPr lvl="0"/>
             <a:r>
               <a:rPr lang="en-US"/>
-              <a:t>Click to edit Master text styles</a:t>
+              <a:t>Edit Master text styles</a:t>
             </a:r>
           </a:p>
         </p:txBody>
@@ -1060,7 +1058,7 @@
     </p:spTree>
     <p:extLst>
       <p:ext uri="{BB962C8B-B14F-4D97-AF65-F5344CB8AC3E}">
-        <p14:creationId xmlns:p14="http://schemas.microsoft.com/office/powerpoint/2010/main" val="3888323728"/>
+        <p14:creationId xmlns:p14="http://schemas.microsoft.com/office/powerpoint/2010/main" val="3721777934"/>
       </p:ext>
     </p:extLst>
   </p:cSld>
@@ -1106,7 +1104,7 @@
               <a:rPr lang="en-US"/>
               <a:t>Click to edit Master title style</a:t>
             </a:r>
-            <a:endParaRPr lang="it-IT"/>
+            <a:endParaRPr lang="en-US" dirty="0"/>
           </a:p>
         </p:txBody>
       </p:sp>
@@ -1122,8 +1120,8 @@
         </p:nvSpPr>
         <p:spPr>
           <a:xfrm>
-            <a:off x="838200" y="1825625"/>
-            <a:ext cx="5181600" cy="4351338"/>
+            <a:off x="519728" y="1629117"/>
+            <a:ext cx="3212862" cy="3882965"/>
           </a:xfrm>
         </p:spPr>
         <p:txBody>
@@ -1133,7 +1131,7 @@
             <a:pPr lvl="0"/>
             <a:r>
               <a:rPr lang="en-US"/>
-              <a:t>Click to edit Master text styles</a:t>
+              <a:t>Edit Master text styles</a:t>
             </a:r>
           </a:p>
           <a:p>
@@ -1163,7 +1161,7 @@
               <a:rPr lang="en-US"/>
               <a:t>Fifth level</a:t>
             </a:r>
-            <a:endParaRPr lang="it-IT"/>
+            <a:endParaRPr lang="en-US" dirty="0"/>
           </a:p>
         </p:txBody>
       </p:sp>
@@ -1179,8 +1177,8 @@
         </p:nvSpPr>
         <p:spPr>
           <a:xfrm>
-            <a:off x="6172200" y="1825625"/>
-            <a:ext cx="5181600" cy="4351338"/>
+            <a:off x="3827085" y="1629117"/>
+            <a:ext cx="3212862" cy="3882965"/>
           </a:xfrm>
         </p:spPr>
         <p:txBody>
@@ -1190,7 +1188,7 @@
             <a:pPr lvl="0"/>
             <a:r>
               <a:rPr lang="en-US"/>
-              <a:t>Click to edit Master text styles</a:t>
+              <a:t>Edit Master text styles</a:t>
             </a:r>
           </a:p>
           <a:p>
@@ -1220,7 +1218,7 @@
               <a:rPr lang="en-US"/>
               <a:t>Fifth level</a:t>
             </a:r>
-            <a:endParaRPr lang="it-IT"/>
+            <a:endParaRPr lang="en-US" dirty="0"/>
           </a:p>
         </p:txBody>
       </p:sp>
@@ -1292,7 +1290,7 @@
     </p:spTree>
     <p:extLst>
       <p:ext uri="{BB962C8B-B14F-4D97-AF65-F5344CB8AC3E}">
-        <p14:creationId xmlns:p14="http://schemas.microsoft.com/office/powerpoint/2010/main" val="161721644"/>
+        <p14:creationId xmlns:p14="http://schemas.microsoft.com/office/powerpoint/2010/main" val="1939972323"/>
       </p:ext>
     </p:extLst>
   </p:cSld>
@@ -1331,8 +1329,8 @@
         </p:nvSpPr>
         <p:spPr>
           <a:xfrm>
-            <a:off x="839788" y="365125"/>
-            <a:ext cx="10515600" cy="1325563"/>
+            <a:off x="520712" y="325825"/>
+            <a:ext cx="6520220" cy="1182881"/>
           </a:xfrm>
         </p:spPr>
         <p:txBody>
@@ -1343,7 +1341,7 @@
               <a:rPr lang="en-US"/>
               <a:t>Click to edit Master title style</a:t>
             </a:r>
-            <a:endParaRPr lang="it-IT"/>
+            <a:endParaRPr lang="en-US" dirty="0"/>
           </a:p>
         </p:txBody>
       </p:sp>
@@ -1359,8 +1357,8 @@
         </p:nvSpPr>
         <p:spPr>
           <a:xfrm>
-            <a:off x="839788" y="1681163"/>
-            <a:ext cx="5157787" cy="823912"/>
+            <a:off x="520713" y="1500205"/>
+            <a:ext cx="3198096" cy="735227"/>
           </a:xfrm>
         </p:spPr>
         <p:txBody>
@@ -1368,46 +1366,46 @@
           <a:lstStyle>
             <a:lvl1pPr marL="0" indent="0">
               <a:buNone/>
-              <a:defRPr sz="2400" b="1"/>
+              <a:defRPr sz="1984" b="1"/>
             </a:lvl1pPr>
-            <a:lvl2pPr marL="457200" indent="0">
-              <a:buNone/>
-              <a:defRPr sz="2000" b="1"/>
+            <a:lvl2pPr marL="377967" indent="0">
+              <a:buNone/>
+              <a:defRPr sz="1653" b="1"/>
             </a:lvl2pPr>
-            <a:lvl3pPr marL="914400" indent="0">
-              <a:buNone/>
-              <a:defRPr sz="1800" b="1"/>
+            <a:lvl3pPr marL="755934" indent="0">
+              <a:buNone/>
+              <a:defRPr sz="1488" b="1"/>
             </a:lvl3pPr>
-            <a:lvl4pPr marL="1371600" indent="0">
-              <a:buNone/>
-              <a:defRPr sz="1600" b="1"/>
+            <a:lvl4pPr marL="1133902" indent="0">
+              <a:buNone/>
+              <a:defRPr sz="1323" b="1"/>
             </a:lvl4pPr>
-            <a:lvl5pPr marL="1828800" indent="0">
-              <a:buNone/>
-              <a:defRPr sz="1600" b="1"/>
+            <a:lvl5pPr marL="1511869" indent="0">
+              <a:buNone/>
+              <a:defRPr sz="1323" b="1"/>
             </a:lvl5pPr>
-            <a:lvl6pPr marL="2286000" indent="0">
-              <a:buNone/>
-              <a:defRPr sz="1600" b="1"/>
+            <a:lvl6pPr marL="1889836" indent="0">
+              <a:buNone/>
+              <a:defRPr sz="1323" b="1"/>
             </a:lvl6pPr>
-            <a:lvl7pPr marL="2743200" indent="0">
-              <a:buNone/>
-              <a:defRPr sz="1600" b="1"/>
+            <a:lvl7pPr marL="2267803" indent="0">
+              <a:buNone/>
+              <a:defRPr sz="1323" b="1"/>
             </a:lvl7pPr>
-            <a:lvl8pPr marL="3200400" indent="0">
-              <a:buNone/>
-              <a:defRPr sz="1600" b="1"/>
+            <a:lvl8pPr marL="2645771" indent="0">
+              <a:buNone/>
+              <a:defRPr sz="1323" b="1"/>
             </a:lvl8pPr>
-            <a:lvl9pPr marL="3657600" indent="0">
-              <a:buNone/>
-              <a:defRPr sz="1600" b="1"/>
+            <a:lvl9pPr marL="3023738" indent="0">
+              <a:buNone/>
+              <a:defRPr sz="1323" b="1"/>
             </a:lvl9pPr>
           </a:lstStyle>
           <a:p>
             <a:pPr lvl="0"/>
             <a:r>
               <a:rPr lang="en-US"/>
-              <a:t>Click to edit Master text styles</a:t>
+              <a:t>Edit Master text styles</a:t>
             </a:r>
           </a:p>
         </p:txBody>
@@ -1424,8 +1422,8 @@
         </p:nvSpPr>
         <p:spPr>
           <a:xfrm>
-            <a:off x="839788" y="2505075"/>
-            <a:ext cx="5157787" cy="3684588"/>
+            <a:off x="520713" y="2235432"/>
+            <a:ext cx="3198096" cy="3287983"/>
           </a:xfrm>
         </p:spPr>
         <p:txBody>
@@ -1435,7 +1433,7 @@
             <a:pPr lvl="0"/>
             <a:r>
               <a:rPr lang="en-US"/>
-              <a:t>Click to edit Master text styles</a:t>
+              <a:t>Edit Master text styles</a:t>
             </a:r>
           </a:p>
           <a:p>
@@ -1465,7 +1463,7 @@
               <a:rPr lang="en-US"/>
               <a:t>Fifth level</a:t>
             </a:r>
-            <a:endParaRPr lang="it-IT"/>
+            <a:endParaRPr lang="en-US" dirty="0"/>
           </a:p>
         </p:txBody>
       </p:sp>
@@ -1481,8 +1479,8 @@
         </p:nvSpPr>
         <p:spPr>
           <a:xfrm>
-            <a:off x="6172200" y="1681163"/>
-            <a:ext cx="5183188" cy="823912"/>
+            <a:off x="3827086" y="1500205"/>
+            <a:ext cx="3213847" cy="735227"/>
           </a:xfrm>
         </p:spPr>
         <p:txBody>
@@ -1490,46 +1488,46 @@
           <a:lstStyle>
             <a:lvl1pPr marL="0" indent="0">
               <a:buNone/>
-              <a:defRPr sz="2400" b="1"/>
+              <a:defRPr sz="1984" b="1"/>
             </a:lvl1pPr>
-            <a:lvl2pPr marL="457200" indent="0">
-              <a:buNone/>
-              <a:defRPr sz="2000" b="1"/>
+            <a:lvl2pPr marL="377967" indent="0">
+              <a:buNone/>
+              <a:defRPr sz="1653" b="1"/>
             </a:lvl2pPr>
-            <a:lvl3pPr marL="914400" indent="0">
-              <a:buNone/>
-              <a:defRPr sz="1800" b="1"/>
+            <a:lvl3pPr marL="755934" indent="0">
+              <a:buNone/>
+              <a:defRPr sz="1488" b="1"/>
             </a:lvl3pPr>
-            <a:lvl4pPr marL="1371600" indent="0">
-              <a:buNone/>
-              <a:defRPr sz="1600" b="1"/>
+            <a:lvl4pPr marL="1133902" indent="0">
+              <a:buNone/>
+              <a:defRPr sz="1323" b="1"/>
             </a:lvl4pPr>
-            <a:lvl5pPr marL="1828800" indent="0">
-              <a:buNone/>
-              <a:defRPr sz="1600" b="1"/>
+            <a:lvl5pPr marL="1511869" indent="0">
+              <a:buNone/>
+              <a:defRPr sz="1323" b="1"/>
             </a:lvl5pPr>
-            <a:lvl6pPr marL="2286000" indent="0">
-              <a:buNone/>
-              <a:defRPr sz="1600" b="1"/>
+            <a:lvl6pPr marL="1889836" indent="0">
+              <a:buNone/>
+              <a:defRPr sz="1323" b="1"/>
             </a:lvl6pPr>
-            <a:lvl7pPr marL="2743200" indent="0">
-              <a:buNone/>
-              <a:defRPr sz="1600" b="1"/>
+            <a:lvl7pPr marL="2267803" indent="0">
+              <a:buNone/>
+              <a:defRPr sz="1323" b="1"/>
             </a:lvl7pPr>
-            <a:lvl8pPr marL="3200400" indent="0">
-              <a:buNone/>
-              <a:defRPr sz="1600" b="1"/>
+            <a:lvl8pPr marL="2645771" indent="0">
+              <a:buNone/>
+              <a:defRPr sz="1323" b="1"/>
             </a:lvl8pPr>
-            <a:lvl9pPr marL="3657600" indent="0">
-              <a:buNone/>
-              <a:defRPr sz="1600" b="1"/>
+            <a:lvl9pPr marL="3023738" indent="0">
+              <a:buNone/>
+              <a:defRPr sz="1323" b="1"/>
             </a:lvl9pPr>
           </a:lstStyle>
           <a:p>
             <a:pPr lvl="0"/>
             <a:r>
               <a:rPr lang="en-US"/>
-              <a:t>Click to edit Master text styles</a:t>
+              <a:t>Edit Master text styles</a:t>
             </a:r>
           </a:p>
         </p:txBody>
@@ -1546,8 +1544,8 @@
         </p:nvSpPr>
         <p:spPr>
           <a:xfrm>
-            <a:off x="6172200" y="2505075"/>
-            <a:ext cx="5183188" cy="3684588"/>
+            <a:off x="3827086" y="2235432"/>
+            <a:ext cx="3213847" cy="3287983"/>
           </a:xfrm>
         </p:spPr>
         <p:txBody>
@@ -1557,7 +1555,7 @@
             <a:pPr lvl="0"/>
             <a:r>
               <a:rPr lang="en-US"/>
-              <a:t>Click to edit Master text styles</a:t>
+              <a:t>Edit Master text styles</a:t>
             </a:r>
           </a:p>
           <a:p>
@@ -1587,7 +1585,7 @@
               <a:rPr lang="en-US"/>
               <a:t>Fifth level</a:t>
             </a:r>
-            <a:endParaRPr lang="it-IT"/>
+            <a:endParaRPr lang="en-US" dirty="0"/>
           </a:p>
         </p:txBody>
       </p:sp>
@@ -1659,7 +1657,7 @@
     </p:spTree>
     <p:extLst>
       <p:ext uri="{BB962C8B-B14F-4D97-AF65-F5344CB8AC3E}">
-        <p14:creationId xmlns:p14="http://schemas.microsoft.com/office/powerpoint/2010/main" val="2653775297"/>
+        <p14:creationId xmlns:p14="http://schemas.microsoft.com/office/powerpoint/2010/main" val="3115629160"/>
       </p:ext>
     </p:extLst>
   </p:cSld>
@@ -1705,7 +1703,7 @@
               <a:rPr lang="en-US"/>
               <a:t>Click to edit Master title style</a:t>
             </a:r>
-            <a:endParaRPr lang="it-IT"/>
+            <a:endParaRPr lang="en-US" dirty="0"/>
           </a:p>
         </p:txBody>
       </p:sp>
@@ -1777,7 +1775,7 @@
     </p:spTree>
     <p:extLst>
       <p:ext uri="{BB962C8B-B14F-4D97-AF65-F5344CB8AC3E}">
-        <p14:creationId xmlns:p14="http://schemas.microsoft.com/office/powerpoint/2010/main" val="4008751693"/>
+        <p14:creationId xmlns:p14="http://schemas.microsoft.com/office/powerpoint/2010/main" val="2391111859"/>
       </p:ext>
     </p:extLst>
   </p:cSld>
@@ -1872,7 +1870,7 @@
     </p:spTree>
     <p:extLst>
       <p:ext uri="{BB962C8B-B14F-4D97-AF65-F5344CB8AC3E}">
-        <p14:creationId xmlns:p14="http://schemas.microsoft.com/office/powerpoint/2010/main" val="3841373609"/>
+        <p14:creationId xmlns:p14="http://schemas.microsoft.com/office/powerpoint/2010/main" val="152598061"/>
       </p:ext>
     </p:extLst>
   </p:cSld>
@@ -1911,15 +1909,15 @@
         </p:nvSpPr>
         <p:spPr>
           <a:xfrm>
-            <a:off x="839788" y="457200"/>
-            <a:ext cx="3932237" cy="1600200"/>
+            <a:off x="520712" y="407988"/>
+            <a:ext cx="2438192" cy="1427956"/>
           </a:xfrm>
         </p:spPr>
         <p:txBody>
           <a:bodyPr anchor="b"/>
           <a:lstStyle>
             <a:lvl1pPr>
-              <a:defRPr sz="3200"/>
+              <a:defRPr sz="2645"/>
             </a:lvl1pPr>
           </a:lstStyle>
           <a:p>
@@ -1927,7 +1925,7 @@
               <a:rPr lang="en-US"/>
               <a:t>Click to edit Master title style</a:t>
             </a:r>
-            <a:endParaRPr lang="it-IT"/>
+            <a:endParaRPr lang="en-US" dirty="0"/>
           </a:p>
         </p:txBody>
       </p:sp>
@@ -1943,46 +1941,46 @@
         </p:nvSpPr>
         <p:spPr>
           <a:xfrm>
-            <a:off x="5183188" y="987425"/>
-            <a:ext cx="6172200" cy="4873625"/>
+            <a:off x="3213847" y="881141"/>
+            <a:ext cx="3827085" cy="4349034"/>
           </a:xfrm>
         </p:spPr>
         <p:txBody>
           <a:bodyPr/>
           <a:lstStyle>
             <a:lvl1pPr>
-              <a:defRPr sz="3200"/>
+              <a:defRPr sz="2645"/>
             </a:lvl1pPr>
             <a:lvl2pPr>
-              <a:defRPr sz="2800"/>
+              <a:defRPr sz="2315"/>
             </a:lvl2pPr>
             <a:lvl3pPr>
-              <a:defRPr sz="2400"/>
+              <a:defRPr sz="1984"/>
             </a:lvl3pPr>
             <a:lvl4pPr>
-              <a:defRPr sz="2000"/>
+              <a:defRPr sz="1653"/>
             </a:lvl4pPr>
             <a:lvl5pPr>
-              <a:defRPr sz="2000"/>
+              <a:defRPr sz="1653"/>
             </a:lvl5pPr>
             <a:lvl6pPr>
-              <a:defRPr sz="2000"/>
+              <a:defRPr sz="1653"/>
             </a:lvl6pPr>
             <a:lvl7pPr>
-              <a:defRPr sz="2000"/>
+              <a:defRPr sz="1653"/>
             </a:lvl7pPr>
             <a:lvl8pPr>
-              <a:defRPr sz="2000"/>
+              <a:defRPr sz="1653"/>
             </a:lvl8pPr>
             <a:lvl9pPr>
-              <a:defRPr sz="2000"/>
+              <a:defRPr sz="1653"/>
             </a:lvl9pPr>
           </a:lstStyle>
           <a:p>
             <a:pPr lvl="0"/>
             <a:r>
               <a:rPr lang="en-US"/>
-              <a:t>Click to edit Master text styles</a:t>
+              <a:t>Edit Master text styles</a:t>
             </a:r>
           </a:p>
           <a:p>
@@ -2012,7 +2010,7 @@
               <a:rPr lang="en-US"/>
               <a:t>Fifth level</a:t>
             </a:r>
-            <a:endParaRPr lang="it-IT"/>
+            <a:endParaRPr lang="en-US" dirty="0"/>
           </a:p>
         </p:txBody>
       </p:sp>
@@ -2028,8 +2026,8 @@
         </p:nvSpPr>
         <p:spPr>
           <a:xfrm>
-            <a:off x="839788" y="2057400"/>
-            <a:ext cx="3932237" cy="3811588"/>
+            <a:off x="520712" y="1835944"/>
+            <a:ext cx="2438192" cy="3401313"/>
           </a:xfrm>
         </p:spPr>
         <p:txBody>
@@ -2037,46 +2035,46 @@
           <a:lstStyle>
             <a:lvl1pPr marL="0" indent="0">
               <a:buNone/>
-              <a:defRPr sz="1600"/>
+              <a:defRPr sz="1323"/>
             </a:lvl1pPr>
-            <a:lvl2pPr marL="457200" indent="0">
-              <a:buNone/>
-              <a:defRPr sz="1400"/>
+            <a:lvl2pPr marL="377967" indent="0">
+              <a:buNone/>
+              <a:defRPr sz="1157"/>
             </a:lvl2pPr>
-            <a:lvl3pPr marL="914400" indent="0">
-              <a:buNone/>
-              <a:defRPr sz="1200"/>
+            <a:lvl3pPr marL="755934" indent="0">
+              <a:buNone/>
+              <a:defRPr sz="992"/>
             </a:lvl3pPr>
-            <a:lvl4pPr marL="1371600" indent="0">
-              <a:buNone/>
-              <a:defRPr sz="1000"/>
+            <a:lvl4pPr marL="1133902" indent="0">
+              <a:buNone/>
+              <a:defRPr sz="827"/>
             </a:lvl4pPr>
-            <a:lvl5pPr marL="1828800" indent="0">
-              <a:buNone/>
-              <a:defRPr sz="1000"/>
+            <a:lvl5pPr marL="1511869" indent="0">
+              <a:buNone/>
+              <a:defRPr sz="827"/>
             </a:lvl5pPr>
-            <a:lvl6pPr marL="2286000" indent="0">
-              <a:buNone/>
-              <a:defRPr sz="1000"/>
+            <a:lvl6pPr marL="1889836" indent="0">
+              <a:buNone/>
+              <a:defRPr sz="827"/>
             </a:lvl6pPr>
-            <a:lvl7pPr marL="2743200" indent="0">
-              <a:buNone/>
-              <a:defRPr sz="1000"/>
+            <a:lvl7pPr marL="2267803" indent="0">
+              <a:buNone/>
+              <a:defRPr sz="827"/>
             </a:lvl7pPr>
-            <a:lvl8pPr marL="3200400" indent="0">
-              <a:buNone/>
-              <a:defRPr sz="1000"/>
+            <a:lvl8pPr marL="2645771" indent="0">
+              <a:buNone/>
+              <a:defRPr sz="827"/>
             </a:lvl8pPr>
-            <a:lvl9pPr marL="3657600" indent="0">
-              <a:buNone/>
-              <a:defRPr sz="1000"/>
+            <a:lvl9pPr marL="3023738" indent="0">
+              <a:buNone/>
+              <a:defRPr sz="827"/>
             </a:lvl9pPr>
           </a:lstStyle>
           <a:p>
             <a:pPr lvl="0"/>
             <a:r>
               <a:rPr lang="en-US"/>
-              <a:t>Click to edit Master text styles</a:t>
+              <a:t>Edit Master text styles</a:t>
             </a:r>
           </a:p>
         </p:txBody>
@@ -2149,7 +2147,7 @@
     </p:spTree>
     <p:extLst>
       <p:ext uri="{BB962C8B-B14F-4D97-AF65-F5344CB8AC3E}">
-        <p14:creationId xmlns:p14="http://schemas.microsoft.com/office/powerpoint/2010/main" val="2196039191"/>
+        <p14:creationId xmlns:p14="http://schemas.microsoft.com/office/powerpoint/2010/main" val="2872182626"/>
       </p:ext>
     </p:extLst>
   </p:cSld>
@@ -2188,15 +2186,15 @@
         </p:nvSpPr>
         <p:spPr>
           <a:xfrm>
-            <a:off x="839788" y="457200"/>
-            <a:ext cx="3932237" cy="1600200"/>
+            <a:off x="520712" y="407988"/>
+            <a:ext cx="2438192" cy="1427956"/>
           </a:xfrm>
         </p:spPr>
         <p:txBody>
           <a:bodyPr anchor="b"/>
           <a:lstStyle>
             <a:lvl1pPr>
-              <a:defRPr sz="3200"/>
+              <a:defRPr sz="2645"/>
             </a:lvl1pPr>
           </a:lstStyle>
           <a:p>
@@ -2204,7 +2202,7 @@
               <a:rPr lang="en-US"/>
               <a:t>Click to edit Master title style</a:t>
             </a:r>
-            <a:endParaRPr lang="it-IT"/>
+            <a:endParaRPr lang="en-US" dirty="0"/>
           </a:p>
         </p:txBody>
       </p:sp>
@@ -2212,7 +2210,7 @@
         <p:nvSpPr>
           <p:cNvPr id="3" name="Picture Placeholder 2"/>
           <p:cNvSpPr>
-            <a:spLocks noGrp="1"/>
+            <a:spLocks noGrp="1" noChangeAspect="1"/>
           </p:cNvSpPr>
           <p:nvPr>
             <p:ph type="pic" idx="1"/>
@@ -2220,52 +2218,56 @@
         </p:nvSpPr>
         <p:spPr>
           <a:xfrm>
-            <a:off x="5183188" y="987425"/>
-            <a:ext cx="6172200" cy="4873625"/>
-          </a:xfrm>
-        </p:spPr>
-        <p:txBody>
-          <a:bodyPr/>
+            <a:off x="3213847" y="881141"/>
+            <a:ext cx="3827085" cy="4349034"/>
+          </a:xfrm>
+        </p:spPr>
+        <p:txBody>
+          <a:bodyPr anchor="t"/>
           <a:lstStyle>
             <a:lvl1pPr marL="0" indent="0">
               <a:buNone/>
-              <a:defRPr sz="3200"/>
+              <a:defRPr sz="2645"/>
             </a:lvl1pPr>
-            <a:lvl2pPr marL="457200" indent="0">
-              <a:buNone/>
-              <a:defRPr sz="2800"/>
+            <a:lvl2pPr marL="377967" indent="0">
+              <a:buNone/>
+              <a:defRPr sz="2315"/>
             </a:lvl2pPr>
-            <a:lvl3pPr marL="914400" indent="0">
-              <a:buNone/>
-              <a:defRPr sz="2400"/>
+            <a:lvl3pPr marL="755934" indent="0">
+              <a:buNone/>
+              <a:defRPr sz="1984"/>
             </a:lvl3pPr>
-            <a:lvl4pPr marL="1371600" indent="0">
-              <a:buNone/>
-              <a:defRPr sz="2000"/>
+            <a:lvl4pPr marL="1133902" indent="0">
+              <a:buNone/>
+              <a:defRPr sz="1653"/>
             </a:lvl4pPr>
-            <a:lvl5pPr marL="1828800" indent="0">
-              <a:buNone/>
-              <a:defRPr sz="2000"/>
+            <a:lvl5pPr marL="1511869" indent="0">
+              <a:buNone/>
+              <a:defRPr sz="1653"/>
             </a:lvl5pPr>
-            <a:lvl6pPr marL="2286000" indent="0">
-              <a:buNone/>
-              <a:defRPr sz="2000"/>
+            <a:lvl6pPr marL="1889836" indent="0">
+              <a:buNone/>
+              <a:defRPr sz="1653"/>
             </a:lvl6pPr>
-            <a:lvl7pPr marL="2743200" indent="0">
-              <a:buNone/>
-              <a:defRPr sz="2000"/>
+            <a:lvl7pPr marL="2267803" indent="0">
+              <a:buNone/>
+              <a:defRPr sz="1653"/>
             </a:lvl7pPr>
-            <a:lvl8pPr marL="3200400" indent="0">
-              <a:buNone/>
-              <a:defRPr sz="2000"/>
+            <a:lvl8pPr marL="2645771" indent="0">
+              <a:buNone/>
+              <a:defRPr sz="1653"/>
             </a:lvl8pPr>
-            <a:lvl9pPr marL="3657600" indent="0">
-              <a:buNone/>
-              <a:defRPr sz="2000"/>
+            <a:lvl9pPr marL="3023738" indent="0">
+              <a:buNone/>
+              <a:defRPr sz="1653"/>
             </a:lvl9pPr>
           </a:lstStyle>
           <a:p>
-            <a:endParaRPr lang="it-IT" dirty="0"/>
+            <a:r>
+              <a:rPr lang="en-US"/>
+              <a:t>Click icon to add picture</a:t>
+            </a:r>
+            <a:endParaRPr lang="en-US" dirty="0"/>
           </a:p>
         </p:txBody>
       </p:sp>
@@ -2281,8 +2283,8 @@
         </p:nvSpPr>
         <p:spPr>
           <a:xfrm>
-            <a:off x="839788" y="2057400"/>
-            <a:ext cx="3932237" cy="3811588"/>
+            <a:off x="520712" y="1835944"/>
+            <a:ext cx="2438192" cy="3401313"/>
           </a:xfrm>
         </p:spPr>
         <p:txBody>
@@ -2290,46 +2292,46 @@
           <a:lstStyle>
             <a:lvl1pPr marL="0" indent="0">
               <a:buNone/>
-              <a:defRPr sz="1600"/>
+              <a:defRPr sz="1323"/>
             </a:lvl1pPr>
-            <a:lvl2pPr marL="457200" indent="0">
-              <a:buNone/>
-              <a:defRPr sz="1400"/>
+            <a:lvl2pPr marL="377967" indent="0">
+              <a:buNone/>
+              <a:defRPr sz="1157"/>
             </a:lvl2pPr>
-            <a:lvl3pPr marL="914400" indent="0">
-              <a:buNone/>
-              <a:defRPr sz="1200"/>
+            <a:lvl3pPr marL="755934" indent="0">
+              <a:buNone/>
+              <a:defRPr sz="992"/>
             </a:lvl3pPr>
-            <a:lvl4pPr marL="1371600" indent="0">
-              <a:buNone/>
-              <a:defRPr sz="1000"/>
+            <a:lvl4pPr marL="1133902" indent="0">
+              <a:buNone/>
+              <a:defRPr sz="827"/>
             </a:lvl4pPr>
-            <a:lvl5pPr marL="1828800" indent="0">
-              <a:buNone/>
-              <a:defRPr sz="1000"/>
+            <a:lvl5pPr marL="1511869" indent="0">
+              <a:buNone/>
+              <a:defRPr sz="827"/>
             </a:lvl5pPr>
-            <a:lvl6pPr marL="2286000" indent="0">
-              <a:buNone/>
-              <a:defRPr sz="1000"/>
+            <a:lvl6pPr marL="1889836" indent="0">
+              <a:buNone/>
+              <a:defRPr sz="827"/>
             </a:lvl6pPr>
-            <a:lvl7pPr marL="2743200" indent="0">
-              <a:buNone/>
-              <a:defRPr sz="1000"/>
+            <a:lvl7pPr marL="2267803" indent="0">
+              <a:buNone/>
+              <a:defRPr sz="827"/>
             </a:lvl7pPr>
-            <a:lvl8pPr marL="3200400" indent="0">
-              <a:buNone/>
-              <a:defRPr sz="1000"/>
+            <a:lvl8pPr marL="2645771" indent="0">
+              <a:buNone/>
+              <a:defRPr sz="827"/>
             </a:lvl8pPr>
-            <a:lvl9pPr marL="3657600" indent="0">
-              <a:buNone/>
-              <a:defRPr sz="1000"/>
+            <a:lvl9pPr marL="3023738" indent="0">
+              <a:buNone/>
+              <a:defRPr sz="827"/>
             </a:lvl9pPr>
           </a:lstStyle>
           <a:p>
             <a:pPr lvl="0"/>
             <a:r>
               <a:rPr lang="en-US"/>
-              <a:t>Click to edit Master text styles</a:t>
+              <a:t>Edit Master text styles</a:t>
             </a:r>
           </a:p>
         </p:txBody>
@@ -2402,7 +2404,7 @@
     </p:spTree>
     <p:extLst>
       <p:ext uri="{BB962C8B-B14F-4D97-AF65-F5344CB8AC3E}">
-        <p14:creationId xmlns:p14="http://schemas.microsoft.com/office/powerpoint/2010/main" val="920912467"/>
+        <p14:creationId xmlns:p14="http://schemas.microsoft.com/office/powerpoint/2010/main" val="3325819264"/>
       </p:ext>
     </p:extLst>
   </p:cSld>
@@ -2446,8 +2448,8 @@
         </p:nvSpPr>
         <p:spPr>
           <a:xfrm>
-            <a:off x="838200" y="365125"/>
-            <a:ext cx="10515600" cy="1325563"/>
+            <a:off x="519728" y="325825"/>
+            <a:ext cx="6520220" cy="1182881"/>
           </a:xfrm>
           <a:prstGeom prst="rect">
             <a:avLst/>
@@ -2463,7 +2465,7 @@
               <a:rPr lang="en-US"/>
               <a:t>Click to edit Master title style</a:t>
             </a:r>
-            <a:endParaRPr lang="it-IT"/>
+            <a:endParaRPr lang="en-US" dirty="0"/>
           </a:p>
         </p:txBody>
       </p:sp>
@@ -2479,8 +2481,8 @@
         </p:nvSpPr>
         <p:spPr>
           <a:xfrm>
-            <a:off x="838200" y="1825625"/>
-            <a:ext cx="10515600" cy="4351338"/>
+            <a:off x="519728" y="1629117"/>
+            <a:ext cx="6520220" cy="3882965"/>
           </a:xfrm>
           <a:prstGeom prst="rect">
             <a:avLst/>
@@ -2495,7 +2497,7 @@
             <a:pPr lvl="0"/>
             <a:r>
               <a:rPr lang="en-US"/>
-              <a:t>Click to edit Master text styles</a:t>
+              <a:t>Edit Master text styles</a:t>
             </a:r>
           </a:p>
           <a:p>
@@ -2525,7 +2527,7 @@
               <a:rPr lang="en-US"/>
               <a:t>Fifth level</a:t>
             </a:r>
-            <a:endParaRPr lang="it-IT"/>
+            <a:endParaRPr lang="en-US" dirty="0"/>
           </a:p>
         </p:txBody>
       </p:sp>
@@ -2541,8 +2543,8 @@
         </p:nvSpPr>
         <p:spPr>
           <a:xfrm>
-            <a:off x="838200" y="6356350"/>
-            <a:ext cx="2743200" cy="365125"/>
+            <a:off x="519728" y="5672162"/>
+            <a:ext cx="1700927" cy="325823"/>
           </a:xfrm>
           <a:prstGeom prst="rect">
             <a:avLst/>
@@ -2552,7 +2554,7 @@
           <a:bodyPr vert="horz" lIns="91440" tIns="45720" rIns="91440" bIns="45720" rtlCol="0" anchor="ctr"/>
           <a:lstStyle>
             <a:lvl1pPr algn="l">
-              <a:defRPr sz="1200">
+              <a:defRPr sz="992">
                 <a:solidFill>
                   <a:schemeClr val="tx1">
                     <a:tint val="75000"/>
@@ -2582,8 +2584,8 @@
         </p:nvSpPr>
         <p:spPr>
           <a:xfrm>
-            <a:off x="4038600" y="6356350"/>
-            <a:ext cx="4114800" cy="365125"/>
+            <a:off x="2504143" y="5672162"/>
+            <a:ext cx="2551390" cy="325823"/>
           </a:xfrm>
           <a:prstGeom prst="rect">
             <a:avLst/>
@@ -2593,7 +2595,7 @@
           <a:bodyPr vert="horz" lIns="91440" tIns="45720" rIns="91440" bIns="45720" rtlCol="0" anchor="ctr"/>
           <a:lstStyle>
             <a:lvl1pPr algn="ctr">
-              <a:defRPr sz="1200">
+              <a:defRPr sz="992">
                 <a:solidFill>
                   <a:schemeClr val="tx1">
                     <a:tint val="75000"/>
@@ -2619,8 +2621,8 @@
         </p:nvSpPr>
         <p:spPr>
           <a:xfrm>
-            <a:off x="8610600" y="6356350"/>
-            <a:ext cx="2743200" cy="365125"/>
+            <a:off x="5339020" y="5672162"/>
+            <a:ext cx="1700927" cy="325823"/>
           </a:xfrm>
           <a:prstGeom prst="rect">
             <a:avLst/>
@@ -2630,7 +2632,7 @@
           <a:bodyPr vert="horz" lIns="91440" tIns="45720" rIns="91440" bIns="45720" rtlCol="0" anchor="ctr"/>
           <a:lstStyle>
             <a:lvl1pPr algn="r">
-              <a:defRPr sz="1200">
+              <a:defRPr sz="992">
                 <a:solidFill>
                   <a:schemeClr val="tx1">
                     <a:tint val="75000"/>
@@ -2651,27 +2653,27 @@
     </p:spTree>
     <p:extLst>
       <p:ext uri="{BB962C8B-B14F-4D97-AF65-F5344CB8AC3E}">
-        <p14:creationId xmlns:p14="http://schemas.microsoft.com/office/powerpoint/2010/main" val="3002459495"/>
+        <p14:creationId xmlns:p14="http://schemas.microsoft.com/office/powerpoint/2010/main" val="4243273055"/>
       </p:ext>
     </p:extLst>
   </p:cSld>
   <p:clrMap bg1="lt1" tx1="dk1" bg2="lt2" tx2="dk2" accent1="accent1" accent2="accent2" accent3="accent3" accent4="accent4" accent5="accent5" accent6="accent6" hlink="hlink" folHlink="folHlink"/>
   <p:sldLayoutIdLst>
-    <p:sldLayoutId id="2147483649" r:id="rId1"/>
-    <p:sldLayoutId id="2147483650" r:id="rId2"/>
-    <p:sldLayoutId id="2147483651" r:id="rId3"/>
-    <p:sldLayoutId id="2147483652" r:id="rId4"/>
-    <p:sldLayoutId id="2147483653" r:id="rId5"/>
-    <p:sldLayoutId id="2147483654" r:id="rId6"/>
-    <p:sldLayoutId id="2147483655" r:id="rId7"/>
-    <p:sldLayoutId id="2147483656" r:id="rId8"/>
-    <p:sldLayoutId id="2147483657" r:id="rId9"/>
-    <p:sldLayoutId id="2147483658" r:id="rId10"/>
-    <p:sldLayoutId id="2147483659" r:id="rId11"/>
+    <p:sldLayoutId id="2147483709" r:id="rId1"/>
+    <p:sldLayoutId id="2147483710" r:id="rId2"/>
+    <p:sldLayoutId id="2147483711" r:id="rId3"/>
+    <p:sldLayoutId id="2147483712" r:id="rId4"/>
+    <p:sldLayoutId id="2147483713" r:id="rId5"/>
+    <p:sldLayoutId id="2147483714" r:id="rId6"/>
+    <p:sldLayoutId id="2147483715" r:id="rId7"/>
+    <p:sldLayoutId id="2147483716" r:id="rId8"/>
+    <p:sldLayoutId id="2147483717" r:id="rId9"/>
+    <p:sldLayoutId id="2147483718" r:id="rId10"/>
+    <p:sldLayoutId id="2147483719" r:id="rId11"/>
   </p:sldLayoutIdLst>
   <p:txStyles>
     <p:titleStyle>
-      <a:lvl1pPr algn="l" defTabSz="914400" rtl="0" eaLnBrk="1" latinLnBrk="0" hangingPunct="1">
+      <a:lvl1pPr algn="l" defTabSz="755934" rtl="0" eaLnBrk="1" latinLnBrk="0" hangingPunct="1">
         <a:lnSpc>
           <a:spcPct val="90000"/>
         </a:lnSpc>
@@ -2679,7 +2681,7 @@
           <a:spcPct val="0"/>
         </a:spcBef>
         <a:buNone/>
-        <a:defRPr sz="4400" kern="1200">
+        <a:defRPr sz="3637" kern="1200">
           <a:solidFill>
             <a:schemeClr val="tx1"/>
           </a:solidFill>
@@ -2690,16 +2692,16 @@
       </a:lvl1pPr>
     </p:titleStyle>
     <p:bodyStyle>
-      <a:lvl1pPr marL="228600" indent="-228600" algn="l" defTabSz="914400" rtl="0" eaLnBrk="1" latinLnBrk="0" hangingPunct="1">
+      <a:lvl1pPr marL="188984" indent="-188984" algn="l" defTabSz="755934" rtl="0" eaLnBrk="1" latinLnBrk="0" hangingPunct="1">
         <a:lnSpc>
           <a:spcPct val="90000"/>
         </a:lnSpc>
         <a:spcBef>
-          <a:spcPts val="1000"/>
+          <a:spcPts val="827"/>
         </a:spcBef>
         <a:buFont typeface="Arial" panose="020B0604020202020204" pitchFamily="34" charset="0"/>
         <a:buChar char="•"/>
-        <a:defRPr sz="2800" kern="1200">
+        <a:defRPr sz="2315" kern="1200">
           <a:solidFill>
             <a:schemeClr val="tx1"/>
           </a:solidFill>
@@ -2708,16 +2710,16 @@
           <a:cs typeface="+mn-cs"/>
         </a:defRPr>
       </a:lvl1pPr>
-      <a:lvl2pPr marL="685800" indent="-228600" algn="l" defTabSz="914400" rtl="0" eaLnBrk="1" latinLnBrk="0" hangingPunct="1">
+      <a:lvl2pPr marL="566951" indent="-188984" algn="l" defTabSz="755934" rtl="0" eaLnBrk="1" latinLnBrk="0" hangingPunct="1">
         <a:lnSpc>
           <a:spcPct val="90000"/>
         </a:lnSpc>
         <a:spcBef>
-          <a:spcPts val="500"/>
+          <a:spcPts val="413"/>
         </a:spcBef>
         <a:buFont typeface="Arial" panose="020B0604020202020204" pitchFamily="34" charset="0"/>
         <a:buChar char="•"/>
-        <a:defRPr sz="2400" kern="1200">
+        <a:defRPr sz="1984" kern="1200">
           <a:solidFill>
             <a:schemeClr val="tx1"/>
           </a:solidFill>
@@ -2726,16 +2728,16 @@
           <a:cs typeface="+mn-cs"/>
         </a:defRPr>
       </a:lvl2pPr>
-      <a:lvl3pPr marL="1143000" indent="-228600" algn="l" defTabSz="914400" rtl="0" eaLnBrk="1" latinLnBrk="0" hangingPunct="1">
+      <a:lvl3pPr marL="944918" indent="-188984" algn="l" defTabSz="755934" rtl="0" eaLnBrk="1" latinLnBrk="0" hangingPunct="1">
         <a:lnSpc>
           <a:spcPct val="90000"/>
         </a:lnSpc>
         <a:spcBef>
-          <a:spcPts val="500"/>
+          <a:spcPts val="413"/>
         </a:spcBef>
         <a:buFont typeface="Arial" panose="020B0604020202020204" pitchFamily="34" charset="0"/>
         <a:buChar char="•"/>
-        <a:defRPr sz="2000" kern="1200">
+        <a:defRPr sz="1653" kern="1200">
           <a:solidFill>
             <a:schemeClr val="tx1"/>
           </a:solidFill>
@@ -2744,16 +2746,16 @@
           <a:cs typeface="+mn-cs"/>
         </a:defRPr>
       </a:lvl3pPr>
-      <a:lvl4pPr marL="1600200" indent="-228600" algn="l" defTabSz="914400" rtl="0" eaLnBrk="1" latinLnBrk="0" hangingPunct="1">
+      <a:lvl4pPr marL="1322885" indent="-188984" algn="l" defTabSz="755934" rtl="0" eaLnBrk="1" latinLnBrk="0" hangingPunct="1">
         <a:lnSpc>
           <a:spcPct val="90000"/>
         </a:lnSpc>
         <a:spcBef>
-          <a:spcPts val="500"/>
+          <a:spcPts val="413"/>
         </a:spcBef>
         <a:buFont typeface="Arial" panose="020B0604020202020204" pitchFamily="34" charset="0"/>
         <a:buChar char="•"/>
-        <a:defRPr sz="1800" kern="1200">
+        <a:defRPr sz="1488" kern="1200">
           <a:solidFill>
             <a:schemeClr val="tx1"/>
           </a:solidFill>
@@ -2762,16 +2764,16 @@
           <a:cs typeface="+mn-cs"/>
         </a:defRPr>
       </a:lvl4pPr>
-      <a:lvl5pPr marL="2057400" indent="-228600" algn="l" defTabSz="914400" rtl="0" eaLnBrk="1" latinLnBrk="0" hangingPunct="1">
+      <a:lvl5pPr marL="1700853" indent="-188984" algn="l" defTabSz="755934" rtl="0" eaLnBrk="1" latinLnBrk="0" hangingPunct="1">
         <a:lnSpc>
           <a:spcPct val="90000"/>
         </a:lnSpc>
         <a:spcBef>
-          <a:spcPts val="500"/>
+          <a:spcPts val="413"/>
         </a:spcBef>
         <a:buFont typeface="Arial" panose="020B0604020202020204" pitchFamily="34" charset="0"/>
         <a:buChar char="•"/>
-        <a:defRPr sz="1800" kern="1200">
+        <a:defRPr sz="1488" kern="1200">
           <a:solidFill>
             <a:schemeClr val="tx1"/>
           </a:solidFill>
@@ -2780,16 +2782,16 @@
           <a:cs typeface="+mn-cs"/>
         </a:defRPr>
       </a:lvl5pPr>
-      <a:lvl6pPr marL="2514600" indent="-228600" algn="l" defTabSz="914400" rtl="0" eaLnBrk="1" latinLnBrk="0" hangingPunct="1">
+      <a:lvl6pPr marL="2078820" indent="-188984" algn="l" defTabSz="755934" rtl="0" eaLnBrk="1" latinLnBrk="0" hangingPunct="1">
         <a:lnSpc>
           <a:spcPct val="90000"/>
         </a:lnSpc>
         <a:spcBef>
-          <a:spcPts val="500"/>
+          <a:spcPts val="413"/>
         </a:spcBef>
         <a:buFont typeface="Arial" panose="020B0604020202020204" pitchFamily="34" charset="0"/>
         <a:buChar char="•"/>
-        <a:defRPr sz="1800" kern="1200">
+        <a:defRPr sz="1488" kern="1200">
           <a:solidFill>
             <a:schemeClr val="tx1"/>
           </a:solidFill>
@@ -2798,16 +2800,16 @@
           <a:cs typeface="+mn-cs"/>
         </a:defRPr>
       </a:lvl6pPr>
-      <a:lvl7pPr marL="2971800" indent="-228600" algn="l" defTabSz="914400" rtl="0" eaLnBrk="1" latinLnBrk="0" hangingPunct="1">
+      <a:lvl7pPr marL="2456787" indent="-188984" algn="l" defTabSz="755934" rtl="0" eaLnBrk="1" latinLnBrk="0" hangingPunct="1">
         <a:lnSpc>
           <a:spcPct val="90000"/>
         </a:lnSpc>
         <a:spcBef>
-          <a:spcPts val="500"/>
+          <a:spcPts val="413"/>
         </a:spcBef>
         <a:buFont typeface="Arial" panose="020B0604020202020204" pitchFamily="34" charset="0"/>
         <a:buChar char="•"/>
-        <a:defRPr sz="1800" kern="1200">
+        <a:defRPr sz="1488" kern="1200">
           <a:solidFill>
             <a:schemeClr val="tx1"/>
           </a:solidFill>
@@ -2816,16 +2818,16 @@
           <a:cs typeface="+mn-cs"/>
         </a:defRPr>
       </a:lvl7pPr>
-      <a:lvl8pPr marL="3429000" indent="-228600" algn="l" defTabSz="914400" rtl="0" eaLnBrk="1" latinLnBrk="0" hangingPunct="1">
+      <a:lvl8pPr marL="2834754" indent="-188984" algn="l" defTabSz="755934" rtl="0" eaLnBrk="1" latinLnBrk="0" hangingPunct="1">
         <a:lnSpc>
           <a:spcPct val="90000"/>
         </a:lnSpc>
         <a:spcBef>
-          <a:spcPts val="500"/>
+          <a:spcPts val="413"/>
         </a:spcBef>
         <a:buFont typeface="Arial" panose="020B0604020202020204" pitchFamily="34" charset="0"/>
         <a:buChar char="•"/>
-        <a:defRPr sz="1800" kern="1200">
+        <a:defRPr sz="1488" kern="1200">
           <a:solidFill>
             <a:schemeClr val="tx1"/>
           </a:solidFill>
@@ -2834,16 +2836,16 @@
           <a:cs typeface="+mn-cs"/>
         </a:defRPr>
       </a:lvl8pPr>
-      <a:lvl9pPr marL="3886200" indent="-228600" algn="l" defTabSz="914400" rtl="0" eaLnBrk="1" latinLnBrk="0" hangingPunct="1">
+      <a:lvl9pPr marL="3212722" indent="-188984" algn="l" defTabSz="755934" rtl="0" eaLnBrk="1" latinLnBrk="0" hangingPunct="1">
         <a:lnSpc>
           <a:spcPct val="90000"/>
         </a:lnSpc>
         <a:spcBef>
-          <a:spcPts val="500"/>
+          <a:spcPts val="413"/>
         </a:spcBef>
         <a:buFont typeface="Arial" panose="020B0604020202020204" pitchFamily="34" charset="0"/>
         <a:buChar char="•"/>
-        <a:defRPr sz="1800" kern="1200">
+        <a:defRPr sz="1488" kern="1200">
           <a:solidFill>
             <a:schemeClr val="tx1"/>
           </a:solidFill>
@@ -2855,10 +2857,10 @@
     </p:bodyStyle>
     <p:otherStyle>
       <a:defPPr>
-        <a:defRPr lang="it-IT"/>
+        <a:defRPr lang="en-US"/>
       </a:defPPr>
-      <a:lvl1pPr marL="0" algn="l" defTabSz="914400" rtl="0" eaLnBrk="1" latinLnBrk="0" hangingPunct="1">
-        <a:defRPr sz="1800" kern="1200">
+      <a:lvl1pPr marL="0" algn="l" defTabSz="755934" rtl="0" eaLnBrk="1" latinLnBrk="0" hangingPunct="1">
+        <a:defRPr sz="1488" kern="1200">
           <a:solidFill>
             <a:schemeClr val="tx1"/>
           </a:solidFill>
@@ -2867,8 +2869,8 @@
           <a:cs typeface="+mn-cs"/>
         </a:defRPr>
       </a:lvl1pPr>
-      <a:lvl2pPr marL="457200" algn="l" defTabSz="914400" rtl="0" eaLnBrk="1" latinLnBrk="0" hangingPunct="1">
-        <a:defRPr sz="1800" kern="1200">
+      <a:lvl2pPr marL="377967" algn="l" defTabSz="755934" rtl="0" eaLnBrk="1" latinLnBrk="0" hangingPunct="1">
+        <a:defRPr sz="1488" kern="1200">
           <a:solidFill>
             <a:schemeClr val="tx1"/>
           </a:solidFill>
@@ -2877,8 +2879,8 @@
           <a:cs typeface="+mn-cs"/>
         </a:defRPr>
       </a:lvl2pPr>
-      <a:lvl3pPr marL="914400" algn="l" defTabSz="914400" rtl="0" eaLnBrk="1" latinLnBrk="0" hangingPunct="1">
-        <a:defRPr sz="1800" kern="1200">
+      <a:lvl3pPr marL="755934" algn="l" defTabSz="755934" rtl="0" eaLnBrk="1" latinLnBrk="0" hangingPunct="1">
+        <a:defRPr sz="1488" kern="1200">
           <a:solidFill>
             <a:schemeClr val="tx1"/>
           </a:solidFill>
@@ -2887,8 +2889,8 @@
           <a:cs typeface="+mn-cs"/>
         </a:defRPr>
       </a:lvl3pPr>
-      <a:lvl4pPr marL="1371600" algn="l" defTabSz="914400" rtl="0" eaLnBrk="1" latinLnBrk="0" hangingPunct="1">
-        <a:defRPr sz="1800" kern="1200">
+      <a:lvl4pPr marL="1133902" algn="l" defTabSz="755934" rtl="0" eaLnBrk="1" latinLnBrk="0" hangingPunct="1">
+        <a:defRPr sz="1488" kern="1200">
           <a:solidFill>
             <a:schemeClr val="tx1"/>
           </a:solidFill>
@@ -2897,8 +2899,8 @@
           <a:cs typeface="+mn-cs"/>
         </a:defRPr>
       </a:lvl4pPr>
-      <a:lvl5pPr marL="1828800" algn="l" defTabSz="914400" rtl="0" eaLnBrk="1" latinLnBrk="0" hangingPunct="1">
-        <a:defRPr sz="1800" kern="1200">
+      <a:lvl5pPr marL="1511869" algn="l" defTabSz="755934" rtl="0" eaLnBrk="1" latinLnBrk="0" hangingPunct="1">
+        <a:defRPr sz="1488" kern="1200">
           <a:solidFill>
             <a:schemeClr val="tx1"/>
           </a:solidFill>
@@ -2907,8 +2909,8 @@
           <a:cs typeface="+mn-cs"/>
         </a:defRPr>
       </a:lvl5pPr>
-      <a:lvl6pPr marL="2286000" algn="l" defTabSz="914400" rtl="0" eaLnBrk="1" latinLnBrk="0" hangingPunct="1">
-        <a:defRPr sz="1800" kern="1200">
+      <a:lvl6pPr marL="1889836" algn="l" defTabSz="755934" rtl="0" eaLnBrk="1" latinLnBrk="0" hangingPunct="1">
+        <a:defRPr sz="1488" kern="1200">
           <a:solidFill>
             <a:schemeClr val="tx1"/>
           </a:solidFill>
@@ -2917,8 +2919,8 @@
           <a:cs typeface="+mn-cs"/>
         </a:defRPr>
       </a:lvl6pPr>
-      <a:lvl7pPr marL="2743200" algn="l" defTabSz="914400" rtl="0" eaLnBrk="1" latinLnBrk="0" hangingPunct="1">
-        <a:defRPr sz="1800" kern="1200">
+      <a:lvl7pPr marL="2267803" algn="l" defTabSz="755934" rtl="0" eaLnBrk="1" latinLnBrk="0" hangingPunct="1">
+        <a:defRPr sz="1488" kern="1200">
           <a:solidFill>
             <a:schemeClr val="tx1"/>
           </a:solidFill>
@@ -2927,8 +2929,8 @@
           <a:cs typeface="+mn-cs"/>
         </a:defRPr>
       </a:lvl7pPr>
-      <a:lvl8pPr marL="3200400" algn="l" defTabSz="914400" rtl="0" eaLnBrk="1" latinLnBrk="0" hangingPunct="1">
-        <a:defRPr sz="1800" kern="1200">
+      <a:lvl8pPr marL="2645771" algn="l" defTabSz="755934" rtl="0" eaLnBrk="1" latinLnBrk="0" hangingPunct="1">
+        <a:defRPr sz="1488" kern="1200">
           <a:solidFill>
             <a:schemeClr val="tx1"/>
           </a:solidFill>
@@ -2937,8 +2939,8 @@
           <a:cs typeface="+mn-cs"/>
         </a:defRPr>
       </a:lvl8pPr>
-      <a:lvl9pPr marL="3657600" algn="l" defTabSz="914400" rtl="0" eaLnBrk="1" latinLnBrk="0" hangingPunct="1">
-        <a:defRPr sz="1800" kern="1200">
+      <a:lvl9pPr marL="3023738" algn="l" defTabSz="755934" rtl="0" eaLnBrk="1" latinLnBrk="0" hangingPunct="1">
+        <a:defRPr sz="1488" kern="1200">
           <a:solidFill>
             <a:schemeClr val="tx1"/>
           </a:solidFill>
@@ -2977,7 +2979,7 @@
         </p:nvSpPr>
         <p:spPr>
           <a:xfrm>
-            <a:off x="2057400" y="673240"/>
+            <a:off x="62197" y="134600"/>
             <a:ext cx="2033751" cy="501289"/>
           </a:xfrm>
           <a:prstGeom prst="flowChartPredefinedProcess">
@@ -3018,7 +3020,7 @@
         </p:nvSpPr>
         <p:spPr>
           <a:xfrm>
-            <a:off x="4755931" y="673240"/>
+            <a:off x="2760728" y="134600"/>
             <a:ext cx="2033751" cy="501289"/>
           </a:xfrm>
           <a:prstGeom prst="flowChartPredefinedProcess">
@@ -3060,7 +3062,7 @@
         </p:nvSpPr>
         <p:spPr>
           <a:xfrm>
-            <a:off x="7454462" y="673239"/>
+            <a:off x="5459259" y="134599"/>
             <a:ext cx="2033751" cy="501289"/>
           </a:xfrm>
           <a:prstGeom prst="flowChartPredefinedProcess">
@@ -3102,7 +3104,7 @@
         </p:nvSpPr>
         <p:spPr>
           <a:xfrm>
-            <a:off x="2057400" y="1256046"/>
+            <a:off x="62197" y="717406"/>
             <a:ext cx="2033751" cy="532563"/>
           </a:xfrm>
           <a:prstGeom prst="roundRect">
@@ -3148,7 +3150,7 @@
         </p:nvSpPr>
         <p:spPr>
           <a:xfrm>
-            <a:off x="4755931" y="1256045"/>
+            <a:off x="2760728" y="717405"/>
             <a:ext cx="2033751" cy="532563"/>
           </a:xfrm>
           <a:prstGeom prst="roundRect">
@@ -3194,7 +3196,7 @@
         </p:nvSpPr>
         <p:spPr>
           <a:xfrm>
-            <a:off x="7454462" y="1256044"/>
+            <a:off x="5459259" y="717404"/>
             <a:ext cx="2033751" cy="532563"/>
           </a:xfrm>
           <a:prstGeom prst="roundRect">
@@ -3242,7 +3244,7 @@
         </p:nvCxnSpPr>
         <p:spPr>
           <a:xfrm flipH="1">
-            <a:off x="3058510" y="1788609"/>
+            <a:off x="1063296" y="1249958"/>
             <a:ext cx="15766" cy="4752000"/>
           </a:xfrm>
           <a:prstGeom prst="line">
@@ -3277,7 +3279,7 @@
         </p:nvCxnSpPr>
         <p:spPr>
           <a:xfrm>
-            <a:off x="5772807" y="1788608"/>
+            <a:off x="3777593" y="1249957"/>
             <a:ext cx="0" cy="4752000"/>
           </a:xfrm>
           <a:prstGeom prst="line">
@@ -3312,7 +3314,7 @@
         </p:nvCxnSpPr>
         <p:spPr>
           <a:xfrm>
-            <a:off x="8471338" y="1788607"/>
+            <a:off x="6476124" y="1249956"/>
             <a:ext cx="0" cy="4752000"/>
           </a:xfrm>
           <a:prstGeom prst="line">
@@ -3345,7 +3347,7 @@
         </p:nvSpPr>
         <p:spPr>
           <a:xfrm>
-            <a:off x="5707117" y="2100024"/>
+            <a:off x="3711914" y="1561384"/>
             <a:ext cx="116273" cy="1728403"/>
           </a:xfrm>
           <a:prstGeom prst="rect">
@@ -3385,7 +3387,7 @@
         </p:nvCxnSpPr>
         <p:spPr>
           <a:xfrm flipV="1">
-            <a:off x="3066393" y="2218266"/>
+            <a:off x="1071190" y="1679626"/>
             <a:ext cx="2630213" cy="1"/>
           </a:xfrm>
           <a:prstGeom prst="straightConnector1">
@@ -3419,7 +3421,7 @@
         </p:nvSpPr>
         <p:spPr>
           <a:xfrm>
-            <a:off x="3120260" y="1946135"/>
+            <a:off x="1125057" y="1407484"/>
             <a:ext cx="2532991" cy="261610"/>
           </a:xfrm>
           <a:prstGeom prst="rect">
@@ -3464,7 +3466,7 @@
         </p:nvSpPr>
         <p:spPr>
           <a:xfrm>
-            <a:off x="4998807" y="2380441"/>
+            <a:off x="3003593" y="1841801"/>
             <a:ext cx="1548000" cy="430887"/>
           </a:xfrm>
           <a:prstGeom prst="rect">
@@ -3509,7 +3511,7 @@
         </p:nvSpPr>
         <p:spPr>
           <a:xfrm>
-            <a:off x="5891049" y="2878385"/>
+            <a:off x="3895846" y="2339734"/>
             <a:ext cx="2459419" cy="261610"/>
           </a:xfrm>
           <a:prstGeom prst="rect">
@@ -3554,7 +3556,7 @@
         </p:nvCxnSpPr>
         <p:spPr>
           <a:xfrm>
-            <a:off x="5838496" y="3150518"/>
+            <a:off x="3843293" y="2611867"/>
             <a:ext cx="2560585" cy="4866"/>
           </a:xfrm>
           <a:prstGeom prst="straightConnector1">
@@ -3590,7 +3592,7 @@
         </p:nvCxnSpPr>
         <p:spPr>
           <a:xfrm rot="16200000" flipH="1">
-            <a:off x="5825756" y="3601971"/>
+            <a:off x="3830553" y="3063320"/>
             <a:ext cx="731011" cy="711092"/>
           </a:xfrm>
           <a:prstGeom prst="bentConnector4">
@@ -3627,7 +3629,7 @@
         </p:nvSpPr>
         <p:spPr>
           <a:xfrm>
-            <a:off x="5891049" y="3314529"/>
+            <a:off x="3895846" y="2775878"/>
             <a:ext cx="2459419" cy="261610"/>
           </a:xfrm>
           <a:prstGeom prst="rect">
@@ -3657,7 +3659,7 @@
         </p:nvSpPr>
         <p:spPr>
           <a:xfrm>
-            <a:off x="8401050" y="3059401"/>
+            <a:off x="6405847" y="2520750"/>
             <a:ext cx="120871" cy="2266226"/>
           </a:xfrm>
           <a:prstGeom prst="rect">
@@ -3697,7 +3699,7 @@
         </p:nvSpPr>
         <p:spPr>
           <a:xfrm>
-            <a:off x="5709902" y="3999929"/>
+            <a:off x="3714688" y="3461289"/>
             <a:ext cx="128594" cy="800671"/>
           </a:xfrm>
           <a:prstGeom prst="rect">
@@ -3737,7 +3739,7 @@
         </p:nvSpPr>
         <p:spPr>
           <a:xfrm>
-            <a:off x="4998807" y="4107579"/>
+            <a:off x="3003593" y="3568939"/>
             <a:ext cx="1548000" cy="430887"/>
           </a:xfrm>
           <a:prstGeom prst="rect">
@@ -3775,7 +3777,7 @@
         </p:nvCxnSpPr>
         <p:spPr>
           <a:xfrm flipH="1">
-            <a:off x="3144564" y="4671738"/>
+            <a:off x="1149350" y="4133087"/>
             <a:ext cx="2552042" cy="0"/>
           </a:xfrm>
           <a:prstGeom prst="straightConnector1">
@@ -3809,7 +3811,7 @@
         </p:nvSpPr>
         <p:spPr>
           <a:xfrm>
-            <a:off x="3000379" y="4601203"/>
+            <a:off x="1005165" y="4062552"/>
             <a:ext cx="137708" cy="521326"/>
           </a:xfrm>
           <a:prstGeom prst="rect">
@@ -3849,7 +3851,7 @@
         </p:nvSpPr>
         <p:spPr>
           <a:xfrm>
-            <a:off x="3208740" y="4639251"/>
+            <a:off x="1213526" y="4100600"/>
             <a:ext cx="2450580" cy="261610"/>
           </a:xfrm>
           <a:prstGeom prst="rect">
@@ -3895,7 +3897,7 @@
         </p:nvCxnSpPr>
         <p:spPr>
           <a:xfrm flipH="1">
-            <a:off x="5842531" y="5122529"/>
+            <a:off x="3847317" y="4583878"/>
             <a:ext cx="2552042" cy="0"/>
           </a:xfrm>
           <a:prstGeom prst="straightConnector1">
@@ -3929,7 +3931,7 @@
         </p:nvSpPr>
         <p:spPr>
           <a:xfrm>
-            <a:off x="5906707" y="5122529"/>
+            <a:off x="3911504" y="4583878"/>
             <a:ext cx="2443761" cy="261610"/>
           </a:xfrm>
           <a:prstGeom prst="rect">
@@ -3983,7 +3985,7 @@
         </p:nvSpPr>
         <p:spPr>
           <a:xfrm>
-            <a:off x="5709902" y="4952473"/>
+            <a:off x="3714688" y="4413833"/>
             <a:ext cx="126152" cy="1292071"/>
           </a:xfrm>
           <a:prstGeom prst="rect">
@@ -4023,7 +4025,7 @@
         </p:nvCxnSpPr>
         <p:spPr>
           <a:xfrm flipH="1">
-            <a:off x="3145000" y="6102421"/>
+            <a:off x="1149786" y="5563770"/>
             <a:ext cx="2552042" cy="0"/>
           </a:xfrm>
           <a:prstGeom prst="straightConnector1">
@@ -4057,7 +4059,7 @@
         </p:nvSpPr>
         <p:spPr>
           <a:xfrm>
-            <a:off x="3209176" y="6069934"/>
+            <a:off x="1213962" y="5531283"/>
             <a:ext cx="2451836" cy="261610"/>
           </a:xfrm>
           <a:prstGeom prst="rect">
@@ -4103,7 +4105,7 @@
         </p:nvSpPr>
         <p:spPr>
           <a:xfrm>
-            <a:off x="3004018" y="5947770"/>
+            <a:off x="1008804" y="5409119"/>
             <a:ext cx="137708" cy="521326"/>
           </a:xfrm>
           <a:prstGeom prst="rect">
@@ -4143,7 +4145,7 @@
         </p:nvCxnSpPr>
         <p:spPr>
           <a:xfrm flipV="1">
-            <a:off x="5840561" y="5856793"/>
+            <a:off x="3845358" y="5318153"/>
             <a:ext cx="2566967" cy="1"/>
           </a:xfrm>
           <a:prstGeom prst="straightConnector1">
@@ -4177,7 +4179,7 @@
         </p:nvSpPr>
         <p:spPr>
           <a:xfrm>
-            <a:off x="5894428" y="5584661"/>
+            <a:off x="3899225" y="5046010"/>
             <a:ext cx="2532991" cy="261610"/>
           </a:xfrm>
           <a:prstGeom prst="rect">
@@ -4230,7 +4232,7 @@
         </p:nvSpPr>
         <p:spPr>
           <a:xfrm>
-            <a:off x="8413714" y="5760859"/>
+            <a:off x="6418511" y="5222208"/>
             <a:ext cx="120871" cy="540000"/>
           </a:xfrm>
           <a:prstGeom prst="rect">
@@ -4278,7 +4280,7 @@
 <file path=ppt/theme/theme1.xml><?xml version="1.0" encoding="utf-8"?>
 <a:theme xmlns:a="http://schemas.openxmlformats.org/drawingml/2006/main" name="Office Theme">
   <a:themeElements>
-    <a:clrScheme name="Office">
+    <a:clrScheme name="Office Theme">
       <a:dk1>
         <a:sysClr val="windowText" lastClr="000000"/>
       </a:dk1>
@@ -4316,14 +4318,14 @@
         <a:srgbClr val="954F72"/>
       </a:folHlink>
     </a:clrScheme>
-    <a:fontScheme name="Office">
+    <a:fontScheme name="Office Theme">
       <a:majorFont>
         <a:latin typeface="Calibri Light" panose="020F0302020204030204"/>
         <a:ea typeface=""/>
         <a:cs typeface=""/>
-        <a:font script="Jpan" typeface="ＭＳ Ｐゴシック"/>
+        <a:font script="Jpan" typeface="游ゴシック Light"/>
         <a:font script="Hang" typeface="맑은 고딕"/>
-        <a:font script="Hans" typeface="宋体"/>
+        <a:font script="Hans" typeface="等线 Light"/>
         <a:font script="Hant" typeface="新細明體"/>
         <a:font script="Arab" typeface="Times New Roman"/>
         <a:font script="Hebr" typeface="Times New Roman"/>
@@ -4356,9 +4358,9 @@
         <a:latin typeface="Calibri" panose="020F0502020204030204"/>
         <a:ea typeface=""/>
         <a:cs typeface=""/>
-        <a:font script="Jpan" typeface="ＭＳ Ｐゴシック"/>
+        <a:font script="Jpan" typeface="游ゴシック"/>
         <a:font script="Hang" typeface="맑은 고딕"/>
-        <a:font script="Hans" typeface="宋体"/>
+        <a:font script="Hans" typeface="等线"/>
         <a:font script="Hant" typeface="新細明體"/>
         <a:font script="Arab" typeface="Arial"/>
         <a:font script="Hebr" typeface="Arial"/>
@@ -4388,7 +4390,7 @@
         <a:font script="Geor" typeface="Sylfaen"/>
       </a:minorFont>
     </a:fontScheme>
-    <a:fmtScheme name="Office">
+    <a:fmtScheme name="Office Theme">
       <a:fillStyleLst>
         <a:solidFill>
           <a:schemeClr val="phClr"/>
